--- a/slayt.pptx
+++ b/slayt.pptx
@@ -7,9 +7,17 @@
   <p:sldIdLst>
     <p:sldId id="256" r:id="rId2"/>
     <p:sldId id="258" r:id="rId3"/>
-    <p:sldId id="260" r:id="rId4"/>
+    <p:sldId id="261" r:id="rId4"/>
     <p:sldId id="257" r:id="rId5"/>
-    <p:sldId id="259" r:id="rId6"/>
+    <p:sldId id="264" r:id="rId6"/>
+    <p:sldId id="263" r:id="rId7"/>
+    <p:sldId id="265" r:id="rId8"/>
+    <p:sldId id="266" r:id="rId9"/>
+    <p:sldId id="267" r:id="rId10"/>
+    <p:sldId id="268" r:id="rId11"/>
+    <p:sldId id="269" r:id="rId12"/>
+    <p:sldId id="260" r:id="rId13"/>
+    <p:sldId id="259" r:id="rId14"/>
   </p:sldIdLst>
   <p:sldSz cx="12192000" cy="6858000"/>
   <p:notesSz cx="6858000" cy="9144000"/>
@@ -108,6 +116,11 @@
       </a:defRPr>
     </a:lvl9pPr>
   </p:defaultTextStyle>
+  <p:extLst>
+    <p:ext uri="{EFAFB233-063F-42B5-8137-9DF3F51BA10A}">
+      <p15:sldGuideLst xmlns:p15="http://schemas.microsoft.com/office/powerpoint/2012/main"/>
+    </p:ext>
+  </p:extLst>
 </p:presentation>
 </file>
 
@@ -1322,7 +1335,7 @@
           <a:p>
             <a:fld id="{9FD7A6ED-6E2F-4CDD-8160-759F1D63351F}" type="datetimeFigureOut">
               <a:rPr lang="tr-TR" smtClean="0"/>
-              <a:t>6.05.2024</a:t>
+              <a:t>27.05.2024</a:t>
             </a:fld>
             <a:endParaRPr lang="tr-TR"/>
           </a:p>
@@ -1560,7 +1573,7 @@
           <a:p>
             <a:fld id="{9FD7A6ED-6E2F-4CDD-8160-759F1D63351F}" type="datetimeFigureOut">
               <a:rPr lang="tr-TR" smtClean="0"/>
-              <a:t>6.05.2024</a:t>
+              <a:t>27.05.2024</a:t>
             </a:fld>
             <a:endParaRPr lang="tr-TR"/>
           </a:p>
@@ -1740,7 +1753,7 @@
           <a:p>
             <a:fld id="{9FD7A6ED-6E2F-4CDD-8160-759F1D63351F}" type="datetimeFigureOut">
               <a:rPr lang="tr-TR" smtClean="0"/>
-              <a:t>6.05.2024</a:t>
+              <a:t>27.05.2024</a:t>
             </a:fld>
             <a:endParaRPr lang="tr-TR"/>
           </a:p>
@@ -1910,7 +1923,7 @@
           <a:p>
             <a:fld id="{9FD7A6ED-6E2F-4CDD-8160-759F1D63351F}" type="datetimeFigureOut">
               <a:rPr lang="tr-TR" smtClean="0"/>
-              <a:t>6.05.2024</a:t>
+              <a:t>27.05.2024</a:t>
             </a:fld>
             <a:endParaRPr lang="tr-TR"/>
           </a:p>
@@ -2186,7 +2199,7 @@
           <a:p>
             <a:fld id="{9FD7A6ED-6E2F-4CDD-8160-759F1D63351F}" type="datetimeFigureOut">
               <a:rPr lang="tr-TR" smtClean="0"/>
-              <a:t>6.05.2024</a:t>
+              <a:t>27.05.2024</a:t>
             </a:fld>
             <a:endParaRPr lang="tr-TR"/>
           </a:p>
@@ -3387,7 +3400,7 @@
           <a:p>
             <a:fld id="{9FD7A6ED-6E2F-4CDD-8160-759F1D63351F}" type="datetimeFigureOut">
               <a:rPr lang="tr-TR" smtClean="0"/>
-              <a:t>6.05.2024</a:t>
+              <a:t>27.05.2024</a:t>
             </a:fld>
             <a:endParaRPr lang="tr-TR"/>
           </a:p>
@@ -3777,7 +3790,7 @@
           <a:p>
             <a:fld id="{9FD7A6ED-6E2F-4CDD-8160-759F1D63351F}" type="datetimeFigureOut">
               <a:rPr lang="tr-TR" smtClean="0"/>
-              <a:t>6.05.2024</a:t>
+              <a:t>27.05.2024</a:t>
             </a:fld>
             <a:endParaRPr lang="tr-TR"/>
           </a:p>
@@ -3900,7 +3913,7 @@
           <a:p>
             <a:fld id="{9FD7A6ED-6E2F-4CDD-8160-759F1D63351F}" type="datetimeFigureOut">
               <a:rPr lang="tr-TR" smtClean="0"/>
-              <a:t>6.05.2024</a:t>
+              <a:t>27.05.2024</a:t>
             </a:fld>
             <a:endParaRPr lang="tr-TR"/>
           </a:p>
@@ -3995,7 +4008,7 @@
           <a:p>
             <a:fld id="{9FD7A6ED-6E2F-4CDD-8160-759F1D63351F}" type="datetimeFigureOut">
               <a:rPr lang="tr-TR" smtClean="0"/>
-              <a:t>6.05.2024</a:t>
+              <a:t>27.05.2024</a:t>
             </a:fld>
             <a:endParaRPr lang="tr-TR"/>
           </a:p>
@@ -4758,7 +4771,7 @@
           <a:p>
             <a:fld id="{9FD7A6ED-6E2F-4CDD-8160-759F1D63351F}" type="datetimeFigureOut">
               <a:rPr lang="tr-TR" smtClean="0"/>
-              <a:t>6.05.2024</a:t>
+              <a:t>27.05.2024</a:t>
             </a:fld>
             <a:endParaRPr lang="tr-TR"/>
           </a:p>
@@ -5598,7 +5611,7 @@
           <a:p>
             <a:fld id="{9FD7A6ED-6E2F-4CDD-8160-759F1D63351F}" type="datetimeFigureOut">
               <a:rPr lang="tr-TR" smtClean="0"/>
-              <a:t>6.05.2024</a:t>
+              <a:t>27.05.2024</a:t>
             </a:fld>
             <a:endParaRPr lang="tr-TR"/>
           </a:p>
@@ -5825,7 +5838,7 @@
           <a:p>
             <a:fld id="{9FD7A6ED-6E2F-4CDD-8160-759F1D63351F}" type="datetimeFigureOut">
               <a:rPr lang="tr-TR" smtClean="0"/>
-              <a:t>6.05.2024</a:t>
+              <a:t>27.05.2024</a:t>
             </a:fld>
             <a:endParaRPr lang="tr-TR"/>
           </a:p>
@@ -6893,7 +6906,7 @@
 </p:sld>
 </file>
 
-<file path=ppt/slides/slide2.xml><?xml version="1.0" encoding="utf-8"?>
+<file path=ppt/slides/slide10.xml><?xml version="1.0" encoding="utf-8"?>
 <p:sld xmlns:a="http://schemas.openxmlformats.org/drawingml/2006/main" xmlns:r="http://schemas.openxmlformats.org/officeDocument/2006/relationships" xmlns:p="http://schemas.openxmlformats.org/presentationml/2006/main">
   <p:cSld>
     <p:spTree>
@@ -6915,7 +6928,7 @@
           <p:cNvPr id="2" name="Başlık 1">
             <a:extLst>
               <a:ext uri="{FF2B5EF4-FFF2-40B4-BE49-F238E27FC236}">
-                <a16:creationId xmlns:a16="http://schemas.microsoft.com/office/drawing/2014/main" id="{0635A17C-E51C-9733-72BC-0E8C84DD1FA8}"/>
+                <a16:creationId xmlns:a16="http://schemas.microsoft.com/office/drawing/2014/main" id="{60BB68E4-912C-082A-FC0B-A928824A224B}"/>
               </a:ext>
             </a:extLst>
           </p:cNvPr>
@@ -6928,12 +6941,26 @@
         </p:nvSpPr>
         <p:spPr/>
         <p:txBody>
-          <a:bodyPr/>
+          <a:bodyPr>
+            <a:normAutofit fontScale="90000"/>
+          </a:bodyPr>
           <a:lstStyle/>
           <a:p>
             <a:r>
+              <a:rPr lang="tr-TR" dirty="0" err="1"/>
+              <a:t>Arduıno</a:t>
+            </a:r>
+            <a:r>
               <a:rPr lang="tr-TR" dirty="0"/>
-              <a:t>Ne işe yarar ?</a:t>
+              <a:t> </a:t>
+            </a:r>
+            <a:r>
+              <a:rPr lang="tr-TR" dirty="0" err="1"/>
+              <a:t>unodan</a:t>
+            </a:r>
+            <a:r>
+              <a:rPr lang="tr-TR" dirty="0"/>
+              <a:t> esp8266’ya veri gönderme avantajı ve dezavantajı</a:t>
             </a:r>
           </a:p>
         </p:txBody>
@@ -6943,7 +6970,7 @@
           <p:cNvPr id="3" name="İçerik Yer Tutucusu 2">
             <a:extLst>
               <a:ext uri="{FF2B5EF4-FFF2-40B4-BE49-F238E27FC236}">
-                <a16:creationId xmlns:a16="http://schemas.microsoft.com/office/drawing/2014/main" id="{4CE2F85E-76C1-5728-66F3-C5BFE9E91AB1}"/>
+                <a16:creationId xmlns:a16="http://schemas.microsoft.com/office/drawing/2014/main" id="{02CC312A-1AB8-A9F7-925C-A96C2FD4C577}"/>
               </a:ext>
             </a:extLst>
           </p:cNvPr>
@@ -6961,7 +6988,13 @@
           <a:p>
             <a:r>
               <a:rPr lang="tr-TR" dirty="0"/>
-              <a:t>Kameradan görüntü işleme yardımıyla kişi sayısını alır. Kişi sayısı kadar LED yakar.</a:t>
+              <a:t>Avantaj</a:t>
+            </a:r>
+          </a:p>
+          <a:p>
+            <a:r>
+              <a:rPr lang="tr-TR" dirty="0"/>
+              <a:t>LED’de süre bakımından daha hızlı tepki verme</a:t>
             </a:r>
           </a:p>
           <a:p>
@@ -6970,7 +7003,13 @@
           <a:p>
             <a:r>
               <a:rPr lang="tr-TR" dirty="0"/>
-              <a:t>Kullanıcı ile etkileşime izin verir. Kamera bilgileri kullanıcılara iletilir.</a:t>
+              <a:t>Dezavantaj</a:t>
+            </a:r>
+          </a:p>
+          <a:p>
+            <a:r>
+              <a:rPr lang="tr-TR" dirty="0"/>
+              <a:t>Hatalı veri gönderimi</a:t>
             </a:r>
           </a:p>
         </p:txBody>
@@ -6978,7 +7017,7 @@
     </p:spTree>
     <p:extLst>
       <p:ext uri="{BB962C8B-B14F-4D97-AF65-F5344CB8AC3E}">
-        <p14:creationId xmlns:p14="http://schemas.microsoft.com/office/powerpoint/2010/main" val="460876344"/>
+        <p14:creationId xmlns:p14="http://schemas.microsoft.com/office/powerpoint/2010/main" val="2918680304"/>
       </p:ext>
     </p:extLst>
   </p:cSld>
@@ -6988,7 +7027,148 @@
 </p:sld>
 </file>
 
-<file path=ppt/slides/slide3.xml><?xml version="1.0" encoding="utf-8"?>
+<file path=ppt/slides/slide11.xml><?xml version="1.0" encoding="utf-8"?>
+<p:sld xmlns:a="http://schemas.openxmlformats.org/drawingml/2006/main" xmlns:r="http://schemas.openxmlformats.org/officeDocument/2006/relationships" xmlns:p="http://schemas.openxmlformats.org/presentationml/2006/main">
+  <p:cSld>
+    <p:spTree>
+      <p:nvGrpSpPr>
+        <p:cNvPr id="1" name=""/>
+        <p:cNvGrpSpPr/>
+        <p:nvPr/>
+      </p:nvGrpSpPr>
+      <p:grpSpPr>
+        <a:xfrm>
+          <a:off x="0" y="0"/>
+          <a:ext cx="0" cy="0"/>
+          <a:chOff x="0" y="0"/>
+          <a:chExt cx="0" cy="0"/>
+        </a:xfrm>
+      </p:grpSpPr>
+      <p:sp>
+        <p:nvSpPr>
+          <p:cNvPr id="2" name="Başlık 1">
+            <a:extLst>
+              <a:ext uri="{FF2B5EF4-FFF2-40B4-BE49-F238E27FC236}">
+                <a16:creationId xmlns:a16="http://schemas.microsoft.com/office/drawing/2014/main" id="{17A6798B-7253-744B-7DCD-8C60CC33C398}"/>
+              </a:ext>
+            </a:extLst>
+          </p:cNvPr>
+          <p:cNvSpPr>
+            <a:spLocks noGrp="1"/>
+          </p:cNvSpPr>
+          <p:nvPr>
+            <p:ph type="title"/>
+          </p:nvPr>
+        </p:nvSpPr>
+        <p:spPr/>
+        <p:txBody>
+          <a:bodyPr>
+            <a:normAutofit fontScale="90000"/>
+          </a:bodyPr>
+          <a:lstStyle/>
+          <a:p>
+            <a:r>
+              <a:rPr lang="tr-TR" dirty="0"/>
+              <a:t>Esp8266’dan </a:t>
+            </a:r>
+            <a:r>
+              <a:rPr lang="tr-TR" dirty="0" err="1"/>
+              <a:t>arduıno</a:t>
+            </a:r>
+            <a:r>
+              <a:rPr lang="tr-TR" dirty="0"/>
+              <a:t> </a:t>
+            </a:r>
+            <a:r>
+              <a:rPr lang="tr-TR" dirty="0" err="1"/>
+              <a:t>unoya</a:t>
+            </a:r>
+            <a:r>
+              <a:rPr lang="tr-TR" dirty="0"/>
+              <a:t> gönderme avantajı ve dezavantajı</a:t>
+            </a:r>
+          </a:p>
+        </p:txBody>
+      </p:sp>
+      <p:sp>
+        <p:nvSpPr>
+          <p:cNvPr id="3" name="İçerik Yer Tutucusu 2">
+            <a:extLst>
+              <a:ext uri="{FF2B5EF4-FFF2-40B4-BE49-F238E27FC236}">
+                <a16:creationId xmlns:a16="http://schemas.microsoft.com/office/drawing/2014/main" id="{88192FA2-115C-E7C2-527B-9394ACC95BAA}"/>
+              </a:ext>
+            </a:extLst>
+          </p:cNvPr>
+          <p:cNvSpPr>
+            <a:spLocks noGrp="1"/>
+          </p:cNvSpPr>
+          <p:nvPr>
+            <p:ph idx="1"/>
+          </p:nvPr>
+        </p:nvSpPr>
+        <p:spPr/>
+        <p:txBody>
+          <a:bodyPr/>
+          <a:lstStyle/>
+          <a:p>
+            <a:r>
+              <a:rPr lang="tr-TR" dirty="0"/>
+              <a:t>Avantaj</a:t>
+            </a:r>
+          </a:p>
+          <a:p>
+            <a:r>
+              <a:rPr lang="tr-TR" dirty="0"/>
+              <a:t>Doğru veri gönderimi</a:t>
+            </a:r>
+          </a:p>
+          <a:p>
+            <a:endParaRPr lang="tr-TR" dirty="0"/>
+          </a:p>
+          <a:p>
+            <a:r>
+              <a:rPr lang="tr-TR" dirty="0"/>
+              <a:t>Dezavantaj</a:t>
+            </a:r>
+          </a:p>
+          <a:p>
+            <a:r>
+              <a:rPr lang="tr-TR" dirty="0"/>
+              <a:t>Esp8266 içerisinde wifi işlemleri yapıldığı için LED’lerin tepki verme süresi geç</a:t>
+            </a:r>
+          </a:p>
+          <a:p>
+            <a:endParaRPr lang="tr-TR" dirty="0"/>
+          </a:p>
+          <a:p>
+            <a:pPr marL="0" indent="0">
+              <a:buNone/>
+            </a:pPr>
+            <a:r>
+              <a:rPr lang="tr-TR" dirty="0"/>
+              <a:t>	</a:t>
+            </a:r>
+            <a:r>
+              <a:rPr lang="tr-TR" b="1" dirty="0"/>
+              <a:t>Tercih edilen bağlantı şeklidir.</a:t>
+            </a:r>
+          </a:p>
+        </p:txBody>
+      </p:sp>
+    </p:spTree>
+    <p:extLst>
+      <p:ext uri="{BB962C8B-B14F-4D97-AF65-F5344CB8AC3E}">
+        <p14:creationId xmlns:p14="http://schemas.microsoft.com/office/powerpoint/2010/main" val="3962634578"/>
+      </p:ext>
+    </p:extLst>
+  </p:cSld>
+  <p:clrMapOvr>
+    <a:masterClrMapping/>
+  </p:clrMapOvr>
+</p:sld>
+</file>
+
+<file path=ppt/slides/slide12.xml><?xml version="1.0" encoding="utf-8"?>
 <p:sld xmlns:a="http://schemas.openxmlformats.org/drawingml/2006/main" xmlns:r="http://schemas.openxmlformats.org/officeDocument/2006/relationships" xmlns:p="http://schemas.openxmlformats.org/presentationml/2006/main">
   <p:cSld>
     <p:spTree>
@@ -7132,117 +7312,7 @@
 </p:sld>
 </file>
 
-<file path=ppt/slides/slide4.xml><?xml version="1.0" encoding="utf-8"?>
-<p:sld xmlns:a="http://schemas.openxmlformats.org/drawingml/2006/main" xmlns:r="http://schemas.openxmlformats.org/officeDocument/2006/relationships" xmlns:p="http://schemas.openxmlformats.org/presentationml/2006/main">
-  <p:cSld>
-    <p:spTree>
-      <p:nvGrpSpPr>
-        <p:cNvPr id="1" name=""/>
-        <p:cNvGrpSpPr/>
-        <p:nvPr/>
-      </p:nvGrpSpPr>
-      <p:grpSpPr>
-        <a:xfrm>
-          <a:off x="0" y="0"/>
-          <a:ext cx="0" cy="0"/>
-          <a:chOff x="0" y="0"/>
-          <a:chExt cx="0" cy="0"/>
-        </a:xfrm>
-      </p:grpSpPr>
-      <p:sp>
-        <p:nvSpPr>
-          <p:cNvPr id="2" name="Başlık 1">
-            <a:extLst>
-              <a:ext uri="{FF2B5EF4-FFF2-40B4-BE49-F238E27FC236}">
-                <a16:creationId xmlns:a16="http://schemas.microsoft.com/office/drawing/2014/main" id="{3F09EBE7-4BB3-AB3D-FE6F-E17BBAAB71A7}"/>
-              </a:ext>
-            </a:extLst>
-          </p:cNvPr>
-          <p:cNvSpPr>
-            <a:spLocks noGrp="1"/>
-          </p:cNvSpPr>
-          <p:nvPr>
-            <p:ph type="title"/>
-          </p:nvPr>
-        </p:nvSpPr>
-        <p:spPr/>
-        <p:txBody>
-          <a:bodyPr/>
-          <a:lstStyle/>
-          <a:p>
-            <a:endParaRPr lang="tr-TR"/>
-          </a:p>
-        </p:txBody>
-      </p:sp>
-      <p:sp>
-        <p:nvSpPr>
-          <p:cNvPr id="3" name="İçerik Yer Tutucusu 2">
-            <a:extLst>
-              <a:ext uri="{FF2B5EF4-FFF2-40B4-BE49-F238E27FC236}">
-                <a16:creationId xmlns:a16="http://schemas.microsoft.com/office/drawing/2014/main" id="{D8D2A6DF-E285-3DDE-6353-90CE07011651}"/>
-              </a:ext>
-            </a:extLst>
-          </p:cNvPr>
-          <p:cNvSpPr>
-            <a:spLocks noGrp="1"/>
-          </p:cNvSpPr>
-          <p:nvPr>
-            <p:ph idx="1"/>
-          </p:nvPr>
-        </p:nvSpPr>
-        <p:spPr/>
-        <p:txBody>
-          <a:bodyPr/>
-          <a:lstStyle/>
-          <a:p>
-            <a:endParaRPr lang="tr-TR"/>
-          </a:p>
-        </p:txBody>
-      </p:sp>
-      <p:pic>
-        <p:nvPicPr>
-          <p:cNvPr id="5" name="Resim 4">
-            <a:extLst>
-              <a:ext uri="{FF2B5EF4-FFF2-40B4-BE49-F238E27FC236}">
-                <a16:creationId xmlns:a16="http://schemas.microsoft.com/office/drawing/2014/main" id="{3AE3A2F9-3447-4C31-FA3E-E28F175EDCB1}"/>
-              </a:ext>
-            </a:extLst>
-          </p:cNvPr>
-          <p:cNvPicPr>
-            <a:picLocks noChangeAspect="1"/>
-          </p:cNvPicPr>
-          <p:nvPr/>
-        </p:nvPicPr>
-        <p:blipFill>
-          <a:blip r:embed="rId2"/>
-          <a:stretch>
-            <a:fillRect/>
-          </a:stretch>
-        </p:blipFill>
-        <p:spPr>
-          <a:xfrm>
-            <a:off x="300042" y="0"/>
-            <a:ext cx="11891957" cy="6858000"/>
-          </a:xfrm>
-          <a:prstGeom prst="rect">
-            <a:avLst/>
-          </a:prstGeom>
-        </p:spPr>
-      </p:pic>
-    </p:spTree>
-    <p:extLst>
-      <p:ext uri="{BB962C8B-B14F-4D97-AF65-F5344CB8AC3E}">
-        <p14:creationId xmlns:p14="http://schemas.microsoft.com/office/powerpoint/2010/main" val="1832193634"/>
-      </p:ext>
-    </p:extLst>
-  </p:cSld>
-  <p:clrMapOvr>
-    <a:masterClrMapping/>
-  </p:clrMapOvr>
-</p:sld>
-</file>
-
-<file path=ppt/slides/slide5.xml><?xml version="1.0" encoding="utf-8"?>
+<file path=ppt/slides/slide13.xml><?xml version="1.0" encoding="utf-8"?>
 <p:sld xmlns:a="http://schemas.openxmlformats.org/drawingml/2006/main" xmlns:r="http://schemas.openxmlformats.org/officeDocument/2006/relationships" xmlns:p="http://schemas.openxmlformats.org/presentationml/2006/main">
   <p:cSld>
     <p:spTree>
@@ -7312,6 +7382,3330 @@
     <p:extLst>
       <p:ext uri="{BB962C8B-B14F-4D97-AF65-F5344CB8AC3E}">
         <p14:creationId xmlns:p14="http://schemas.microsoft.com/office/powerpoint/2010/main" val="3097759777"/>
+      </p:ext>
+    </p:extLst>
+  </p:cSld>
+  <p:clrMapOvr>
+    <a:masterClrMapping/>
+  </p:clrMapOvr>
+</p:sld>
+</file>
+
+<file path=ppt/slides/slide2.xml><?xml version="1.0" encoding="utf-8"?>
+<p:sld xmlns:a="http://schemas.openxmlformats.org/drawingml/2006/main" xmlns:r="http://schemas.openxmlformats.org/officeDocument/2006/relationships" xmlns:p="http://schemas.openxmlformats.org/presentationml/2006/main">
+  <p:cSld>
+    <p:spTree>
+      <p:nvGrpSpPr>
+        <p:cNvPr id="1" name=""/>
+        <p:cNvGrpSpPr/>
+        <p:nvPr/>
+      </p:nvGrpSpPr>
+      <p:grpSpPr>
+        <a:xfrm>
+          <a:off x="0" y="0"/>
+          <a:ext cx="0" cy="0"/>
+          <a:chOff x="0" y="0"/>
+          <a:chExt cx="0" cy="0"/>
+        </a:xfrm>
+      </p:grpSpPr>
+      <p:sp>
+        <p:nvSpPr>
+          <p:cNvPr id="2" name="Başlık 1">
+            <a:extLst>
+              <a:ext uri="{FF2B5EF4-FFF2-40B4-BE49-F238E27FC236}">
+                <a16:creationId xmlns:a16="http://schemas.microsoft.com/office/drawing/2014/main" id="{0635A17C-E51C-9733-72BC-0E8C84DD1FA8}"/>
+              </a:ext>
+            </a:extLst>
+          </p:cNvPr>
+          <p:cNvSpPr>
+            <a:spLocks noGrp="1"/>
+          </p:cNvSpPr>
+          <p:nvPr>
+            <p:ph type="title"/>
+          </p:nvPr>
+        </p:nvSpPr>
+        <p:spPr>
+          <a:xfrm>
+            <a:off x="1251678" y="779231"/>
+            <a:ext cx="10178322" cy="896109"/>
+          </a:xfrm>
+        </p:spPr>
+        <p:txBody>
+          <a:bodyPr/>
+          <a:lstStyle/>
+          <a:p>
+            <a:pPr algn="ctr"/>
+            <a:r>
+              <a:rPr lang="tr-TR" dirty="0"/>
+              <a:t>Ne işe yarar ?</a:t>
+            </a:r>
+          </a:p>
+        </p:txBody>
+      </p:sp>
+      <p:sp>
+        <p:nvSpPr>
+          <p:cNvPr id="3" name="İçerik Yer Tutucusu 2">
+            <a:extLst>
+              <a:ext uri="{FF2B5EF4-FFF2-40B4-BE49-F238E27FC236}">
+                <a16:creationId xmlns:a16="http://schemas.microsoft.com/office/drawing/2014/main" id="{4CE2F85E-76C1-5728-66F3-C5BFE9E91AB1}"/>
+              </a:ext>
+            </a:extLst>
+          </p:cNvPr>
+          <p:cNvSpPr>
+            <a:spLocks noGrp="1"/>
+          </p:cNvSpPr>
+          <p:nvPr>
+            <p:ph idx="1"/>
+          </p:nvPr>
+        </p:nvSpPr>
+        <p:spPr/>
+        <p:txBody>
+          <a:bodyPr>
+            <a:normAutofit/>
+          </a:bodyPr>
+          <a:lstStyle/>
+          <a:p>
+            <a:r>
+              <a:rPr lang="tr-TR" dirty="0"/>
+              <a:t>Arduino </a:t>
+            </a:r>
+            <a:r>
+              <a:rPr lang="tr-TR" dirty="0" err="1"/>
+              <a:t>uno</a:t>
+            </a:r>
+            <a:r>
+              <a:rPr lang="tr-TR" dirty="0"/>
+              <a:t> ve esp8266 arasındaki bağlantılar yapıldıktan sonra Python görüntü işleme programı çalıştırılır.</a:t>
+            </a:r>
+          </a:p>
+          <a:p>
+            <a:r>
+              <a:rPr lang="tr-TR" dirty="0"/>
+              <a:t>Kameradan görüntü işleme yardımıyla kişi sayısını alınır.  Tespit edilen kişi sayısına göre LED’ler yanar.</a:t>
+            </a:r>
+          </a:p>
+          <a:p>
+            <a:r>
+              <a:rPr lang="tr-TR" dirty="0"/>
+              <a:t>ESP8266 sayesinde kullanıcı, sistem ile uzaktan etkileşime izin verir. Kamera bilgileri kullanıcılara iletilir.</a:t>
+            </a:r>
+          </a:p>
+          <a:p>
+            <a:endParaRPr lang="tr-TR" dirty="0"/>
+          </a:p>
+          <a:p>
+            <a:endParaRPr lang="tr-TR" dirty="0"/>
+          </a:p>
+        </p:txBody>
+      </p:sp>
+    </p:spTree>
+    <p:extLst>
+      <p:ext uri="{BB962C8B-B14F-4D97-AF65-F5344CB8AC3E}">
+        <p14:creationId xmlns:p14="http://schemas.microsoft.com/office/powerpoint/2010/main" val="460876344"/>
+      </p:ext>
+    </p:extLst>
+  </p:cSld>
+  <p:clrMapOvr>
+    <a:masterClrMapping/>
+  </p:clrMapOvr>
+</p:sld>
+</file>
+
+<file path=ppt/slides/slide3.xml><?xml version="1.0" encoding="utf-8"?>
+<p:sld xmlns:a="http://schemas.openxmlformats.org/drawingml/2006/main" xmlns:r="http://schemas.openxmlformats.org/officeDocument/2006/relationships" xmlns:p="http://schemas.openxmlformats.org/presentationml/2006/main">
+  <p:cSld>
+    <p:spTree>
+      <p:nvGrpSpPr>
+        <p:cNvPr id="1" name=""/>
+        <p:cNvGrpSpPr/>
+        <p:nvPr/>
+      </p:nvGrpSpPr>
+      <p:grpSpPr>
+        <a:xfrm>
+          <a:off x="0" y="0"/>
+          <a:ext cx="0" cy="0"/>
+          <a:chOff x="0" y="0"/>
+          <a:chExt cx="0" cy="0"/>
+        </a:xfrm>
+      </p:grpSpPr>
+      <p:sp>
+        <p:nvSpPr>
+          <p:cNvPr id="2" name="Başlık 1">
+            <a:extLst>
+              <a:ext uri="{FF2B5EF4-FFF2-40B4-BE49-F238E27FC236}">
+                <a16:creationId xmlns:a16="http://schemas.microsoft.com/office/drawing/2014/main" id="{F69E4EF0-1B2D-BF03-DEC2-B7744A4C0930}"/>
+              </a:ext>
+            </a:extLst>
+          </p:cNvPr>
+          <p:cNvSpPr>
+            <a:spLocks noGrp="1"/>
+          </p:cNvSpPr>
+          <p:nvPr>
+            <p:ph type="title"/>
+          </p:nvPr>
+        </p:nvSpPr>
+        <p:spPr>
+          <a:xfrm>
+            <a:off x="1006839" y="3055967"/>
+            <a:ext cx="10178322" cy="746066"/>
+          </a:xfrm>
+        </p:spPr>
+        <p:txBody>
+          <a:bodyPr>
+            <a:normAutofit fontScale="90000"/>
+          </a:bodyPr>
+          <a:lstStyle/>
+          <a:p>
+            <a:pPr algn="ctr"/>
+            <a:r>
+              <a:rPr lang="tr-TR" dirty="0"/>
+              <a:t>Kullanılan teknolojiler</a:t>
+            </a:r>
+          </a:p>
+        </p:txBody>
+      </p:sp>
+    </p:spTree>
+    <p:extLst>
+      <p:ext uri="{BB962C8B-B14F-4D97-AF65-F5344CB8AC3E}">
+        <p14:creationId xmlns:p14="http://schemas.microsoft.com/office/powerpoint/2010/main" val="1131120544"/>
+      </p:ext>
+    </p:extLst>
+  </p:cSld>
+  <p:clrMapOvr>
+    <a:masterClrMapping/>
+  </p:clrMapOvr>
+</p:sld>
+</file>
+
+<file path=ppt/slides/slide4.xml><?xml version="1.0" encoding="utf-8"?>
+<p:sld xmlns:a="http://schemas.openxmlformats.org/drawingml/2006/main" xmlns:r="http://schemas.openxmlformats.org/officeDocument/2006/relationships" xmlns:p="http://schemas.openxmlformats.org/presentationml/2006/main">
+  <p:cSld>
+    <p:spTree>
+      <p:nvGrpSpPr>
+        <p:cNvPr id="1" name=""/>
+        <p:cNvGrpSpPr/>
+        <p:nvPr/>
+      </p:nvGrpSpPr>
+      <p:grpSpPr>
+        <a:xfrm>
+          <a:off x="0" y="0"/>
+          <a:ext cx="0" cy="0"/>
+          <a:chOff x="0" y="0"/>
+          <a:chExt cx="0" cy="0"/>
+        </a:xfrm>
+      </p:grpSpPr>
+      <p:sp>
+        <p:nvSpPr>
+          <p:cNvPr id="2" name="Başlık 1">
+            <a:extLst>
+              <a:ext uri="{FF2B5EF4-FFF2-40B4-BE49-F238E27FC236}">
+                <a16:creationId xmlns:a16="http://schemas.microsoft.com/office/drawing/2014/main" id="{3F09EBE7-4BB3-AB3D-FE6F-E17BBAAB71A7}"/>
+              </a:ext>
+            </a:extLst>
+          </p:cNvPr>
+          <p:cNvSpPr>
+            <a:spLocks noGrp="1"/>
+          </p:cNvSpPr>
+          <p:nvPr>
+            <p:ph type="title"/>
+          </p:nvPr>
+        </p:nvSpPr>
+        <p:spPr/>
+        <p:txBody>
+          <a:bodyPr/>
+          <a:lstStyle/>
+          <a:p>
+            <a:endParaRPr lang="tr-TR"/>
+          </a:p>
+        </p:txBody>
+      </p:sp>
+      <p:pic>
+        <p:nvPicPr>
+          <p:cNvPr id="6" name="İçerik Yer Tutucusu 5" descr="metin, ekran görüntüsü, elektronik donanım, sürmek içeren bir resim&#10;&#10;Açıklama otomatik olarak oluşturuldu">
+            <a:extLst>
+              <a:ext uri="{FF2B5EF4-FFF2-40B4-BE49-F238E27FC236}">
+                <a16:creationId xmlns:a16="http://schemas.microsoft.com/office/drawing/2014/main" id="{A93363DA-049E-72B7-16D1-16CA1458F78D}"/>
+              </a:ext>
+            </a:extLst>
+          </p:cNvPr>
+          <p:cNvPicPr>
+            <a:picLocks noGrp="1" noChangeAspect="1"/>
+          </p:cNvPicPr>
+          <p:nvPr>
+            <p:ph idx="1"/>
+          </p:nvPr>
+        </p:nvPicPr>
+        <p:blipFill>
+          <a:blip r:embed="rId2">
+            <a:extLst>
+              <a:ext uri="{28A0092B-C50C-407E-A947-70E740481C1C}">
+                <a14:useLocalDpi xmlns:a14="http://schemas.microsoft.com/office/drawing/2010/main" val="0"/>
+              </a:ext>
+            </a:extLst>
+          </a:blip>
+          <a:stretch>
+            <a:fillRect/>
+          </a:stretch>
+        </p:blipFill>
+        <p:spPr>
+          <a:xfrm>
+            <a:off x="0" y="-1"/>
+            <a:ext cx="12192000" cy="7033847"/>
+          </a:xfrm>
+        </p:spPr>
+      </p:pic>
+    </p:spTree>
+    <p:extLst>
+      <p:ext uri="{BB962C8B-B14F-4D97-AF65-F5344CB8AC3E}">
+        <p14:creationId xmlns:p14="http://schemas.microsoft.com/office/powerpoint/2010/main" val="1832193634"/>
+      </p:ext>
+    </p:extLst>
+  </p:cSld>
+  <p:clrMapOvr>
+    <a:masterClrMapping/>
+  </p:clrMapOvr>
+</p:sld>
+</file>
+
+<file path=ppt/slides/slide5.xml><?xml version="1.0" encoding="utf-8"?>
+<p:sld xmlns:a="http://schemas.openxmlformats.org/drawingml/2006/main" xmlns:r="http://schemas.openxmlformats.org/officeDocument/2006/relationships" xmlns:p="http://schemas.openxmlformats.org/presentationml/2006/main">
+  <p:cSld>
+    <p:bg>
+      <p:bgPr>
+        <a:solidFill>
+          <a:schemeClr val="bg1"/>
+        </a:solidFill>
+        <a:effectLst/>
+      </p:bgPr>
+    </p:bg>
+    <p:spTree>
+      <p:nvGrpSpPr>
+        <p:cNvPr id="1" name=""/>
+        <p:cNvGrpSpPr/>
+        <p:nvPr/>
+      </p:nvGrpSpPr>
+      <p:grpSpPr>
+        <a:xfrm>
+          <a:off x="0" y="0"/>
+          <a:ext cx="0" cy="0"/>
+          <a:chOff x="0" y="0"/>
+          <a:chExt cx="0" cy="0"/>
+        </a:xfrm>
+      </p:grpSpPr>
+      <p:sp>
+        <p:nvSpPr>
+          <p:cNvPr id="10" name="Freeform 6">
+            <a:extLst>
+              <a:ext uri="{FF2B5EF4-FFF2-40B4-BE49-F238E27FC236}">
+                <a16:creationId xmlns:a16="http://schemas.microsoft.com/office/drawing/2014/main" id="{B217C2AD-51B4-40CE-A71F-F5D3F846D97B}"/>
+              </a:ext>
+              <a:ext uri="{C183D7F6-B498-43B3-948B-1728B52AA6E4}">
+                <adec:decorative xmlns:adec="http://schemas.microsoft.com/office/drawing/2017/decorative" val="1"/>
+              </a:ext>
+            </a:extLst>
+          </p:cNvPr>
+          <p:cNvSpPr>
+            <a:spLocks noGrp="1" noRot="1" noChangeAspect="1" noMove="1" noResize="1" noEditPoints="1" noAdjustHandles="1" noChangeArrowheads="1" noChangeShapeType="1" noTextEdit="1"/>
+          </p:cNvSpPr>
+          <p:nvPr>
+            <p:extLst>
+              <p:ext uri="{386F3935-93C4-4BCD-93E2-E3B085C9AB24}">
+                <p16:designElem xmlns:p16="http://schemas.microsoft.com/office/powerpoint/2015/main" val="1"/>
+              </p:ext>
+            </p:extLst>
+          </p:nvPr>
+        </p:nvSpPr>
+        <p:spPr bwMode="auto">
+          <a:xfrm>
+            <a:off x="3557016" y="630936"/>
+            <a:ext cx="5235575" cy="5229225"/>
+          </a:xfrm>
+          <a:custGeom>
+            <a:avLst/>
+            <a:gdLst/>
+            <a:ahLst/>
+            <a:cxnLst/>
+            <a:rect l="0" t="0" r="r" b="b"/>
+            <a:pathLst>
+              <a:path w="3298" h="3294">
+                <a:moveTo>
+                  <a:pt x="1649" y="0"/>
+                </a:moveTo>
+                <a:lnTo>
+                  <a:pt x="1681" y="3"/>
+                </a:lnTo>
+                <a:lnTo>
+                  <a:pt x="1712" y="11"/>
+                </a:lnTo>
+                <a:lnTo>
+                  <a:pt x="1742" y="23"/>
+                </a:lnTo>
+                <a:lnTo>
+                  <a:pt x="1773" y="38"/>
+                </a:lnTo>
+                <a:lnTo>
+                  <a:pt x="1802" y="55"/>
+                </a:lnTo>
+                <a:lnTo>
+                  <a:pt x="1832" y="73"/>
+                </a:lnTo>
+                <a:lnTo>
+                  <a:pt x="1862" y="89"/>
+                </a:lnTo>
+                <a:lnTo>
+                  <a:pt x="1892" y="105"/>
+                </a:lnTo>
+                <a:lnTo>
+                  <a:pt x="1921" y="117"/>
+                </a:lnTo>
+                <a:lnTo>
+                  <a:pt x="1953" y="125"/>
+                </a:lnTo>
+                <a:lnTo>
+                  <a:pt x="1984" y="129"/>
+                </a:lnTo>
+                <a:lnTo>
+                  <a:pt x="2017" y="129"/>
+                </a:lnTo>
+                <a:lnTo>
+                  <a:pt x="2051" y="127"/>
+                </a:lnTo>
+                <a:lnTo>
+                  <a:pt x="2085" y="123"/>
+                </a:lnTo>
+                <a:lnTo>
+                  <a:pt x="2119" y="118"/>
+                </a:lnTo>
+                <a:lnTo>
+                  <a:pt x="2153" y="114"/>
+                </a:lnTo>
+                <a:lnTo>
+                  <a:pt x="2187" y="111"/>
+                </a:lnTo>
+                <a:lnTo>
+                  <a:pt x="2219" y="112"/>
+                </a:lnTo>
+                <a:lnTo>
+                  <a:pt x="2250" y="116"/>
+                </a:lnTo>
+                <a:lnTo>
+                  <a:pt x="2280" y="125"/>
+                </a:lnTo>
+                <a:lnTo>
+                  <a:pt x="2305" y="138"/>
+                </a:lnTo>
+                <a:lnTo>
+                  <a:pt x="2329" y="155"/>
+                </a:lnTo>
+                <a:lnTo>
+                  <a:pt x="2350" y="175"/>
+                </a:lnTo>
+                <a:lnTo>
+                  <a:pt x="2371" y="198"/>
+                </a:lnTo>
+                <a:lnTo>
+                  <a:pt x="2390" y="222"/>
+                </a:lnTo>
+                <a:lnTo>
+                  <a:pt x="2409" y="247"/>
+                </a:lnTo>
+                <a:lnTo>
+                  <a:pt x="2428" y="272"/>
+                </a:lnTo>
+                <a:lnTo>
+                  <a:pt x="2447" y="296"/>
+                </a:lnTo>
+                <a:lnTo>
+                  <a:pt x="2467" y="319"/>
+                </a:lnTo>
+                <a:lnTo>
+                  <a:pt x="2490" y="339"/>
+                </a:lnTo>
+                <a:lnTo>
+                  <a:pt x="2512" y="357"/>
+                </a:lnTo>
+                <a:lnTo>
+                  <a:pt x="2537" y="371"/>
+                </a:lnTo>
+                <a:lnTo>
+                  <a:pt x="2564" y="383"/>
+                </a:lnTo>
+                <a:lnTo>
+                  <a:pt x="2593" y="393"/>
+                </a:lnTo>
+                <a:lnTo>
+                  <a:pt x="2623" y="402"/>
+                </a:lnTo>
+                <a:lnTo>
+                  <a:pt x="2653" y="410"/>
+                </a:lnTo>
+                <a:lnTo>
+                  <a:pt x="2684" y="418"/>
+                </a:lnTo>
+                <a:lnTo>
+                  <a:pt x="2713" y="427"/>
+                </a:lnTo>
+                <a:lnTo>
+                  <a:pt x="2742" y="437"/>
+                </a:lnTo>
+                <a:lnTo>
+                  <a:pt x="2769" y="449"/>
+                </a:lnTo>
+                <a:lnTo>
+                  <a:pt x="2793" y="464"/>
+                </a:lnTo>
+                <a:lnTo>
+                  <a:pt x="2815" y="482"/>
+                </a:lnTo>
+                <a:lnTo>
+                  <a:pt x="2833" y="504"/>
+                </a:lnTo>
+                <a:lnTo>
+                  <a:pt x="2848" y="528"/>
+                </a:lnTo>
+                <a:lnTo>
+                  <a:pt x="2860" y="555"/>
+                </a:lnTo>
+                <a:lnTo>
+                  <a:pt x="2870" y="584"/>
+                </a:lnTo>
+                <a:lnTo>
+                  <a:pt x="2879" y="613"/>
+                </a:lnTo>
+                <a:lnTo>
+                  <a:pt x="2887" y="644"/>
+                </a:lnTo>
+                <a:lnTo>
+                  <a:pt x="2895" y="674"/>
+                </a:lnTo>
+                <a:lnTo>
+                  <a:pt x="2904" y="704"/>
+                </a:lnTo>
+                <a:lnTo>
+                  <a:pt x="2914" y="733"/>
+                </a:lnTo>
+                <a:lnTo>
+                  <a:pt x="2926" y="760"/>
+                </a:lnTo>
+                <a:lnTo>
+                  <a:pt x="2940" y="785"/>
+                </a:lnTo>
+                <a:lnTo>
+                  <a:pt x="2958" y="807"/>
+                </a:lnTo>
+                <a:lnTo>
+                  <a:pt x="2978" y="830"/>
+                </a:lnTo>
+                <a:lnTo>
+                  <a:pt x="3001" y="850"/>
+                </a:lnTo>
+                <a:lnTo>
+                  <a:pt x="3025" y="869"/>
+                </a:lnTo>
+                <a:lnTo>
+                  <a:pt x="3051" y="888"/>
+                </a:lnTo>
+                <a:lnTo>
+                  <a:pt x="3076" y="907"/>
+                </a:lnTo>
+                <a:lnTo>
+                  <a:pt x="3100" y="926"/>
+                </a:lnTo>
+                <a:lnTo>
+                  <a:pt x="3123" y="947"/>
+                </a:lnTo>
+                <a:lnTo>
+                  <a:pt x="3143" y="968"/>
+                </a:lnTo>
+                <a:lnTo>
+                  <a:pt x="3160" y="992"/>
+                </a:lnTo>
+                <a:lnTo>
+                  <a:pt x="3173" y="1017"/>
+                </a:lnTo>
+                <a:lnTo>
+                  <a:pt x="3182" y="1047"/>
+                </a:lnTo>
+                <a:lnTo>
+                  <a:pt x="3186" y="1078"/>
+                </a:lnTo>
+                <a:lnTo>
+                  <a:pt x="3187" y="1110"/>
+                </a:lnTo>
+                <a:lnTo>
+                  <a:pt x="3184" y="1144"/>
+                </a:lnTo>
+                <a:lnTo>
+                  <a:pt x="3180" y="1178"/>
+                </a:lnTo>
+                <a:lnTo>
+                  <a:pt x="3175" y="1212"/>
+                </a:lnTo>
+                <a:lnTo>
+                  <a:pt x="3171" y="1246"/>
+                </a:lnTo>
+                <a:lnTo>
+                  <a:pt x="3169" y="1280"/>
+                </a:lnTo>
+                <a:lnTo>
+                  <a:pt x="3169" y="1313"/>
+                </a:lnTo>
+                <a:lnTo>
+                  <a:pt x="3173" y="1344"/>
+                </a:lnTo>
+                <a:lnTo>
+                  <a:pt x="3181" y="1375"/>
+                </a:lnTo>
+                <a:lnTo>
+                  <a:pt x="3193" y="1404"/>
+                </a:lnTo>
+                <a:lnTo>
+                  <a:pt x="3209" y="1434"/>
+                </a:lnTo>
+                <a:lnTo>
+                  <a:pt x="3225" y="1464"/>
+                </a:lnTo>
+                <a:lnTo>
+                  <a:pt x="3243" y="1494"/>
+                </a:lnTo>
+                <a:lnTo>
+                  <a:pt x="3260" y="1523"/>
+                </a:lnTo>
+                <a:lnTo>
+                  <a:pt x="3275" y="1554"/>
+                </a:lnTo>
+                <a:lnTo>
+                  <a:pt x="3287" y="1584"/>
+                </a:lnTo>
+                <a:lnTo>
+                  <a:pt x="3295" y="1615"/>
+                </a:lnTo>
+                <a:lnTo>
+                  <a:pt x="3298" y="1647"/>
+                </a:lnTo>
+                <a:lnTo>
+                  <a:pt x="3295" y="1679"/>
+                </a:lnTo>
+                <a:lnTo>
+                  <a:pt x="3287" y="1710"/>
+                </a:lnTo>
+                <a:lnTo>
+                  <a:pt x="3275" y="1740"/>
+                </a:lnTo>
+                <a:lnTo>
+                  <a:pt x="3260" y="1771"/>
+                </a:lnTo>
+                <a:lnTo>
+                  <a:pt x="3243" y="1800"/>
+                </a:lnTo>
+                <a:lnTo>
+                  <a:pt x="3225" y="1830"/>
+                </a:lnTo>
+                <a:lnTo>
+                  <a:pt x="3209" y="1860"/>
+                </a:lnTo>
+                <a:lnTo>
+                  <a:pt x="3193" y="1890"/>
+                </a:lnTo>
+                <a:lnTo>
+                  <a:pt x="3181" y="1919"/>
+                </a:lnTo>
+                <a:lnTo>
+                  <a:pt x="3173" y="1950"/>
+                </a:lnTo>
+                <a:lnTo>
+                  <a:pt x="3169" y="1981"/>
+                </a:lnTo>
+                <a:lnTo>
+                  <a:pt x="3169" y="2014"/>
+                </a:lnTo>
+                <a:lnTo>
+                  <a:pt x="3171" y="2048"/>
+                </a:lnTo>
+                <a:lnTo>
+                  <a:pt x="3175" y="2082"/>
+                </a:lnTo>
+                <a:lnTo>
+                  <a:pt x="3180" y="2116"/>
+                </a:lnTo>
+                <a:lnTo>
+                  <a:pt x="3184" y="2150"/>
+                </a:lnTo>
+                <a:lnTo>
+                  <a:pt x="3187" y="2184"/>
+                </a:lnTo>
+                <a:lnTo>
+                  <a:pt x="3186" y="2216"/>
+                </a:lnTo>
+                <a:lnTo>
+                  <a:pt x="3182" y="2247"/>
+                </a:lnTo>
+                <a:lnTo>
+                  <a:pt x="3173" y="2277"/>
+                </a:lnTo>
+                <a:lnTo>
+                  <a:pt x="3160" y="2302"/>
+                </a:lnTo>
+                <a:lnTo>
+                  <a:pt x="3143" y="2326"/>
+                </a:lnTo>
+                <a:lnTo>
+                  <a:pt x="3123" y="2347"/>
+                </a:lnTo>
+                <a:lnTo>
+                  <a:pt x="3100" y="2368"/>
+                </a:lnTo>
+                <a:lnTo>
+                  <a:pt x="3076" y="2387"/>
+                </a:lnTo>
+                <a:lnTo>
+                  <a:pt x="3051" y="2406"/>
+                </a:lnTo>
+                <a:lnTo>
+                  <a:pt x="3025" y="2425"/>
+                </a:lnTo>
+                <a:lnTo>
+                  <a:pt x="3001" y="2444"/>
+                </a:lnTo>
+                <a:lnTo>
+                  <a:pt x="2978" y="2464"/>
+                </a:lnTo>
+                <a:lnTo>
+                  <a:pt x="2958" y="2487"/>
+                </a:lnTo>
+                <a:lnTo>
+                  <a:pt x="2940" y="2509"/>
+                </a:lnTo>
+                <a:lnTo>
+                  <a:pt x="2926" y="2534"/>
+                </a:lnTo>
+                <a:lnTo>
+                  <a:pt x="2914" y="2561"/>
+                </a:lnTo>
+                <a:lnTo>
+                  <a:pt x="2904" y="2590"/>
+                </a:lnTo>
+                <a:lnTo>
+                  <a:pt x="2895" y="2620"/>
+                </a:lnTo>
+                <a:lnTo>
+                  <a:pt x="2887" y="2650"/>
+                </a:lnTo>
+                <a:lnTo>
+                  <a:pt x="2879" y="2681"/>
+                </a:lnTo>
+                <a:lnTo>
+                  <a:pt x="2870" y="2710"/>
+                </a:lnTo>
+                <a:lnTo>
+                  <a:pt x="2860" y="2739"/>
+                </a:lnTo>
+                <a:lnTo>
+                  <a:pt x="2848" y="2766"/>
+                </a:lnTo>
+                <a:lnTo>
+                  <a:pt x="2833" y="2790"/>
+                </a:lnTo>
+                <a:lnTo>
+                  <a:pt x="2815" y="2812"/>
+                </a:lnTo>
+                <a:lnTo>
+                  <a:pt x="2793" y="2830"/>
+                </a:lnTo>
+                <a:lnTo>
+                  <a:pt x="2769" y="2845"/>
+                </a:lnTo>
+                <a:lnTo>
+                  <a:pt x="2742" y="2857"/>
+                </a:lnTo>
+                <a:lnTo>
+                  <a:pt x="2713" y="2867"/>
+                </a:lnTo>
+                <a:lnTo>
+                  <a:pt x="2684" y="2876"/>
+                </a:lnTo>
+                <a:lnTo>
+                  <a:pt x="2653" y="2884"/>
+                </a:lnTo>
+                <a:lnTo>
+                  <a:pt x="2623" y="2892"/>
+                </a:lnTo>
+                <a:lnTo>
+                  <a:pt x="2593" y="2901"/>
+                </a:lnTo>
+                <a:lnTo>
+                  <a:pt x="2564" y="2911"/>
+                </a:lnTo>
+                <a:lnTo>
+                  <a:pt x="2537" y="2923"/>
+                </a:lnTo>
+                <a:lnTo>
+                  <a:pt x="2512" y="2937"/>
+                </a:lnTo>
+                <a:lnTo>
+                  <a:pt x="2490" y="2955"/>
+                </a:lnTo>
+                <a:lnTo>
+                  <a:pt x="2467" y="2975"/>
+                </a:lnTo>
+                <a:lnTo>
+                  <a:pt x="2447" y="2998"/>
+                </a:lnTo>
+                <a:lnTo>
+                  <a:pt x="2428" y="3022"/>
+                </a:lnTo>
+                <a:lnTo>
+                  <a:pt x="2409" y="3047"/>
+                </a:lnTo>
+                <a:lnTo>
+                  <a:pt x="2390" y="3072"/>
+                </a:lnTo>
+                <a:lnTo>
+                  <a:pt x="2371" y="3096"/>
+                </a:lnTo>
+                <a:lnTo>
+                  <a:pt x="2350" y="3119"/>
+                </a:lnTo>
+                <a:lnTo>
+                  <a:pt x="2329" y="3139"/>
+                </a:lnTo>
+                <a:lnTo>
+                  <a:pt x="2305" y="3156"/>
+                </a:lnTo>
+                <a:lnTo>
+                  <a:pt x="2280" y="3169"/>
+                </a:lnTo>
+                <a:lnTo>
+                  <a:pt x="2250" y="3178"/>
+                </a:lnTo>
+                <a:lnTo>
+                  <a:pt x="2219" y="3182"/>
+                </a:lnTo>
+                <a:lnTo>
+                  <a:pt x="2187" y="3183"/>
+                </a:lnTo>
+                <a:lnTo>
+                  <a:pt x="2153" y="3180"/>
+                </a:lnTo>
+                <a:lnTo>
+                  <a:pt x="2119" y="3176"/>
+                </a:lnTo>
+                <a:lnTo>
+                  <a:pt x="2085" y="3171"/>
+                </a:lnTo>
+                <a:lnTo>
+                  <a:pt x="2051" y="3167"/>
+                </a:lnTo>
+                <a:lnTo>
+                  <a:pt x="2017" y="3165"/>
+                </a:lnTo>
+                <a:lnTo>
+                  <a:pt x="1984" y="3165"/>
+                </a:lnTo>
+                <a:lnTo>
+                  <a:pt x="1953" y="3169"/>
+                </a:lnTo>
+                <a:lnTo>
+                  <a:pt x="1921" y="3177"/>
+                </a:lnTo>
+                <a:lnTo>
+                  <a:pt x="1892" y="3189"/>
+                </a:lnTo>
+                <a:lnTo>
+                  <a:pt x="1862" y="3205"/>
+                </a:lnTo>
+                <a:lnTo>
+                  <a:pt x="1832" y="3221"/>
+                </a:lnTo>
+                <a:lnTo>
+                  <a:pt x="1802" y="3239"/>
+                </a:lnTo>
+                <a:lnTo>
+                  <a:pt x="1773" y="3256"/>
+                </a:lnTo>
+                <a:lnTo>
+                  <a:pt x="1742" y="3271"/>
+                </a:lnTo>
+                <a:lnTo>
+                  <a:pt x="1712" y="3283"/>
+                </a:lnTo>
+                <a:lnTo>
+                  <a:pt x="1681" y="3291"/>
+                </a:lnTo>
+                <a:lnTo>
+                  <a:pt x="1649" y="3294"/>
+                </a:lnTo>
+                <a:lnTo>
+                  <a:pt x="1617" y="3291"/>
+                </a:lnTo>
+                <a:lnTo>
+                  <a:pt x="1586" y="3283"/>
+                </a:lnTo>
+                <a:lnTo>
+                  <a:pt x="1556" y="3271"/>
+                </a:lnTo>
+                <a:lnTo>
+                  <a:pt x="1525" y="3256"/>
+                </a:lnTo>
+                <a:lnTo>
+                  <a:pt x="1496" y="3239"/>
+                </a:lnTo>
+                <a:lnTo>
+                  <a:pt x="1466" y="3221"/>
+                </a:lnTo>
+                <a:lnTo>
+                  <a:pt x="1436" y="3205"/>
+                </a:lnTo>
+                <a:lnTo>
+                  <a:pt x="1406" y="3189"/>
+                </a:lnTo>
+                <a:lnTo>
+                  <a:pt x="1376" y="3177"/>
+                </a:lnTo>
+                <a:lnTo>
+                  <a:pt x="1345" y="3169"/>
+                </a:lnTo>
+                <a:lnTo>
+                  <a:pt x="1314" y="3165"/>
+                </a:lnTo>
+                <a:lnTo>
+                  <a:pt x="1281" y="3165"/>
+                </a:lnTo>
+                <a:lnTo>
+                  <a:pt x="1247" y="3167"/>
+                </a:lnTo>
+                <a:lnTo>
+                  <a:pt x="1213" y="3171"/>
+                </a:lnTo>
+                <a:lnTo>
+                  <a:pt x="1179" y="3176"/>
+                </a:lnTo>
+                <a:lnTo>
+                  <a:pt x="1145" y="3180"/>
+                </a:lnTo>
+                <a:lnTo>
+                  <a:pt x="1111" y="3183"/>
+                </a:lnTo>
+                <a:lnTo>
+                  <a:pt x="1079" y="3182"/>
+                </a:lnTo>
+                <a:lnTo>
+                  <a:pt x="1048" y="3178"/>
+                </a:lnTo>
+                <a:lnTo>
+                  <a:pt x="1018" y="3169"/>
+                </a:lnTo>
+                <a:lnTo>
+                  <a:pt x="993" y="3156"/>
+                </a:lnTo>
+                <a:lnTo>
+                  <a:pt x="969" y="3139"/>
+                </a:lnTo>
+                <a:lnTo>
+                  <a:pt x="948" y="3119"/>
+                </a:lnTo>
+                <a:lnTo>
+                  <a:pt x="927" y="3096"/>
+                </a:lnTo>
+                <a:lnTo>
+                  <a:pt x="908" y="3072"/>
+                </a:lnTo>
+                <a:lnTo>
+                  <a:pt x="889" y="3047"/>
+                </a:lnTo>
+                <a:lnTo>
+                  <a:pt x="870" y="3022"/>
+                </a:lnTo>
+                <a:lnTo>
+                  <a:pt x="851" y="2998"/>
+                </a:lnTo>
+                <a:lnTo>
+                  <a:pt x="831" y="2975"/>
+                </a:lnTo>
+                <a:lnTo>
+                  <a:pt x="808" y="2955"/>
+                </a:lnTo>
+                <a:lnTo>
+                  <a:pt x="786" y="2937"/>
+                </a:lnTo>
+                <a:lnTo>
+                  <a:pt x="761" y="2923"/>
+                </a:lnTo>
+                <a:lnTo>
+                  <a:pt x="734" y="2911"/>
+                </a:lnTo>
+                <a:lnTo>
+                  <a:pt x="705" y="2901"/>
+                </a:lnTo>
+                <a:lnTo>
+                  <a:pt x="675" y="2892"/>
+                </a:lnTo>
+                <a:lnTo>
+                  <a:pt x="645" y="2884"/>
+                </a:lnTo>
+                <a:lnTo>
+                  <a:pt x="614" y="2876"/>
+                </a:lnTo>
+                <a:lnTo>
+                  <a:pt x="585" y="2867"/>
+                </a:lnTo>
+                <a:lnTo>
+                  <a:pt x="556" y="2857"/>
+                </a:lnTo>
+                <a:lnTo>
+                  <a:pt x="529" y="2845"/>
+                </a:lnTo>
+                <a:lnTo>
+                  <a:pt x="505" y="2830"/>
+                </a:lnTo>
+                <a:lnTo>
+                  <a:pt x="483" y="2812"/>
+                </a:lnTo>
+                <a:lnTo>
+                  <a:pt x="465" y="2790"/>
+                </a:lnTo>
+                <a:lnTo>
+                  <a:pt x="450" y="2766"/>
+                </a:lnTo>
+                <a:lnTo>
+                  <a:pt x="438" y="2739"/>
+                </a:lnTo>
+                <a:lnTo>
+                  <a:pt x="428" y="2710"/>
+                </a:lnTo>
+                <a:lnTo>
+                  <a:pt x="419" y="2681"/>
+                </a:lnTo>
+                <a:lnTo>
+                  <a:pt x="411" y="2650"/>
+                </a:lnTo>
+                <a:lnTo>
+                  <a:pt x="403" y="2620"/>
+                </a:lnTo>
+                <a:lnTo>
+                  <a:pt x="394" y="2590"/>
+                </a:lnTo>
+                <a:lnTo>
+                  <a:pt x="384" y="2561"/>
+                </a:lnTo>
+                <a:lnTo>
+                  <a:pt x="372" y="2534"/>
+                </a:lnTo>
+                <a:lnTo>
+                  <a:pt x="358" y="2509"/>
+                </a:lnTo>
+                <a:lnTo>
+                  <a:pt x="340" y="2487"/>
+                </a:lnTo>
+                <a:lnTo>
+                  <a:pt x="320" y="2464"/>
+                </a:lnTo>
+                <a:lnTo>
+                  <a:pt x="297" y="2444"/>
+                </a:lnTo>
+                <a:lnTo>
+                  <a:pt x="272" y="2425"/>
+                </a:lnTo>
+                <a:lnTo>
+                  <a:pt x="247" y="2406"/>
+                </a:lnTo>
+                <a:lnTo>
+                  <a:pt x="222" y="2387"/>
+                </a:lnTo>
+                <a:lnTo>
+                  <a:pt x="198" y="2368"/>
+                </a:lnTo>
+                <a:lnTo>
+                  <a:pt x="175" y="2347"/>
+                </a:lnTo>
+                <a:lnTo>
+                  <a:pt x="155" y="2326"/>
+                </a:lnTo>
+                <a:lnTo>
+                  <a:pt x="138" y="2302"/>
+                </a:lnTo>
+                <a:lnTo>
+                  <a:pt x="125" y="2277"/>
+                </a:lnTo>
+                <a:lnTo>
+                  <a:pt x="116" y="2247"/>
+                </a:lnTo>
+                <a:lnTo>
+                  <a:pt x="112" y="2216"/>
+                </a:lnTo>
+                <a:lnTo>
+                  <a:pt x="111" y="2184"/>
+                </a:lnTo>
+                <a:lnTo>
+                  <a:pt x="114" y="2150"/>
+                </a:lnTo>
+                <a:lnTo>
+                  <a:pt x="118" y="2116"/>
+                </a:lnTo>
+                <a:lnTo>
+                  <a:pt x="123" y="2082"/>
+                </a:lnTo>
+                <a:lnTo>
+                  <a:pt x="127" y="2048"/>
+                </a:lnTo>
+                <a:lnTo>
+                  <a:pt x="129" y="2014"/>
+                </a:lnTo>
+                <a:lnTo>
+                  <a:pt x="129" y="1981"/>
+                </a:lnTo>
+                <a:lnTo>
+                  <a:pt x="125" y="1950"/>
+                </a:lnTo>
+                <a:lnTo>
+                  <a:pt x="117" y="1919"/>
+                </a:lnTo>
+                <a:lnTo>
+                  <a:pt x="105" y="1890"/>
+                </a:lnTo>
+                <a:lnTo>
+                  <a:pt x="90" y="1860"/>
+                </a:lnTo>
+                <a:lnTo>
+                  <a:pt x="73" y="1830"/>
+                </a:lnTo>
+                <a:lnTo>
+                  <a:pt x="55" y="1800"/>
+                </a:lnTo>
+                <a:lnTo>
+                  <a:pt x="38" y="1771"/>
+                </a:lnTo>
+                <a:lnTo>
+                  <a:pt x="23" y="1740"/>
+                </a:lnTo>
+                <a:lnTo>
+                  <a:pt x="11" y="1710"/>
+                </a:lnTo>
+                <a:lnTo>
+                  <a:pt x="3" y="1679"/>
+                </a:lnTo>
+                <a:lnTo>
+                  <a:pt x="0" y="1647"/>
+                </a:lnTo>
+                <a:lnTo>
+                  <a:pt x="3" y="1615"/>
+                </a:lnTo>
+                <a:lnTo>
+                  <a:pt x="11" y="1584"/>
+                </a:lnTo>
+                <a:lnTo>
+                  <a:pt x="23" y="1554"/>
+                </a:lnTo>
+                <a:lnTo>
+                  <a:pt x="38" y="1523"/>
+                </a:lnTo>
+                <a:lnTo>
+                  <a:pt x="55" y="1494"/>
+                </a:lnTo>
+                <a:lnTo>
+                  <a:pt x="73" y="1464"/>
+                </a:lnTo>
+                <a:lnTo>
+                  <a:pt x="90" y="1434"/>
+                </a:lnTo>
+                <a:lnTo>
+                  <a:pt x="105" y="1404"/>
+                </a:lnTo>
+                <a:lnTo>
+                  <a:pt x="117" y="1375"/>
+                </a:lnTo>
+                <a:lnTo>
+                  <a:pt x="125" y="1344"/>
+                </a:lnTo>
+                <a:lnTo>
+                  <a:pt x="129" y="1313"/>
+                </a:lnTo>
+                <a:lnTo>
+                  <a:pt x="129" y="1280"/>
+                </a:lnTo>
+                <a:lnTo>
+                  <a:pt x="127" y="1246"/>
+                </a:lnTo>
+                <a:lnTo>
+                  <a:pt x="123" y="1212"/>
+                </a:lnTo>
+                <a:lnTo>
+                  <a:pt x="118" y="1178"/>
+                </a:lnTo>
+                <a:lnTo>
+                  <a:pt x="114" y="1144"/>
+                </a:lnTo>
+                <a:lnTo>
+                  <a:pt x="111" y="1110"/>
+                </a:lnTo>
+                <a:lnTo>
+                  <a:pt x="112" y="1078"/>
+                </a:lnTo>
+                <a:lnTo>
+                  <a:pt x="116" y="1047"/>
+                </a:lnTo>
+                <a:lnTo>
+                  <a:pt x="125" y="1017"/>
+                </a:lnTo>
+                <a:lnTo>
+                  <a:pt x="138" y="992"/>
+                </a:lnTo>
+                <a:lnTo>
+                  <a:pt x="155" y="968"/>
+                </a:lnTo>
+                <a:lnTo>
+                  <a:pt x="175" y="947"/>
+                </a:lnTo>
+                <a:lnTo>
+                  <a:pt x="198" y="926"/>
+                </a:lnTo>
+                <a:lnTo>
+                  <a:pt x="222" y="907"/>
+                </a:lnTo>
+                <a:lnTo>
+                  <a:pt x="247" y="888"/>
+                </a:lnTo>
+                <a:lnTo>
+                  <a:pt x="272" y="869"/>
+                </a:lnTo>
+                <a:lnTo>
+                  <a:pt x="297" y="850"/>
+                </a:lnTo>
+                <a:lnTo>
+                  <a:pt x="320" y="830"/>
+                </a:lnTo>
+                <a:lnTo>
+                  <a:pt x="340" y="807"/>
+                </a:lnTo>
+                <a:lnTo>
+                  <a:pt x="358" y="785"/>
+                </a:lnTo>
+                <a:lnTo>
+                  <a:pt x="372" y="760"/>
+                </a:lnTo>
+                <a:lnTo>
+                  <a:pt x="384" y="733"/>
+                </a:lnTo>
+                <a:lnTo>
+                  <a:pt x="394" y="704"/>
+                </a:lnTo>
+                <a:lnTo>
+                  <a:pt x="403" y="674"/>
+                </a:lnTo>
+                <a:lnTo>
+                  <a:pt x="411" y="644"/>
+                </a:lnTo>
+                <a:lnTo>
+                  <a:pt x="419" y="613"/>
+                </a:lnTo>
+                <a:lnTo>
+                  <a:pt x="428" y="584"/>
+                </a:lnTo>
+                <a:lnTo>
+                  <a:pt x="438" y="555"/>
+                </a:lnTo>
+                <a:lnTo>
+                  <a:pt x="450" y="528"/>
+                </a:lnTo>
+                <a:lnTo>
+                  <a:pt x="465" y="504"/>
+                </a:lnTo>
+                <a:lnTo>
+                  <a:pt x="483" y="482"/>
+                </a:lnTo>
+                <a:lnTo>
+                  <a:pt x="505" y="464"/>
+                </a:lnTo>
+                <a:lnTo>
+                  <a:pt x="529" y="449"/>
+                </a:lnTo>
+                <a:lnTo>
+                  <a:pt x="556" y="437"/>
+                </a:lnTo>
+                <a:lnTo>
+                  <a:pt x="585" y="427"/>
+                </a:lnTo>
+                <a:lnTo>
+                  <a:pt x="614" y="418"/>
+                </a:lnTo>
+                <a:lnTo>
+                  <a:pt x="645" y="410"/>
+                </a:lnTo>
+                <a:lnTo>
+                  <a:pt x="675" y="402"/>
+                </a:lnTo>
+                <a:lnTo>
+                  <a:pt x="705" y="393"/>
+                </a:lnTo>
+                <a:lnTo>
+                  <a:pt x="734" y="383"/>
+                </a:lnTo>
+                <a:lnTo>
+                  <a:pt x="761" y="371"/>
+                </a:lnTo>
+                <a:lnTo>
+                  <a:pt x="786" y="357"/>
+                </a:lnTo>
+                <a:lnTo>
+                  <a:pt x="808" y="339"/>
+                </a:lnTo>
+                <a:lnTo>
+                  <a:pt x="831" y="319"/>
+                </a:lnTo>
+                <a:lnTo>
+                  <a:pt x="851" y="296"/>
+                </a:lnTo>
+                <a:lnTo>
+                  <a:pt x="870" y="272"/>
+                </a:lnTo>
+                <a:lnTo>
+                  <a:pt x="889" y="247"/>
+                </a:lnTo>
+                <a:lnTo>
+                  <a:pt x="908" y="222"/>
+                </a:lnTo>
+                <a:lnTo>
+                  <a:pt x="927" y="198"/>
+                </a:lnTo>
+                <a:lnTo>
+                  <a:pt x="948" y="175"/>
+                </a:lnTo>
+                <a:lnTo>
+                  <a:pt x="969" y="155"/>
+                </a:lnTo>
+                <a:lnTo>
+                  <a:pt x="993" y="138"/>
+                </a:lnTo>
+                <a:lnTo>
+                  <a:pt x="1018" y="125"/>
+                </a:lnTo>
+                <a:lnTo>
+                  <a:pt x="1048" y="116"/>
+                </a:lnTo>
+                <a:lnTo>
+                  <a:pt x="1079" y="112"/>
+                </a:lnTo>
+                <a:lnTo>
+                  <a:pt x="1111" y="111"/>
+                </a:lnTo>
+                <a:lnTo>
+                  <a:pt x="1145" y="114"/>
+                </a:lnTo>
+                <a:lnTo>
+                  <a:pt x="1179" y="118"/>
+                </a:lnTo>
+                <a:lnTo>
+                  <a:pt x="1213" y="123"/>
+                </a:lnTo>
+                <a:lnTo>
+                  <a:pt x="1247" y="127"/>
+                </a:lnTo>
+                <a:lnTo>
+                  <a:pt x="1281" y="129"/>
+                </a:lnTo>
+                <a:lnTo>
+                  <a:pt x="1314" y="129"/>
+                </a:lnTo>
+                <a:lnTo>
+                  <a:pt x="1345" y="125"/>
+                </a:lnTo>
+                <a:lnTo>
+                  <a:pt x="1376" y="117"/>
+                </a:lnTo>
+                <a:lnTo>
+                  <a:pt x="1406" y="105"/>
+                </a:lnTo>
+                <a:lnTo>
+                  <a:pt x="1436" y="89"/>
+                </a:lnTo>
+                <a:lnTo>
+                  <a:pt x="1466" y="73"/>
+                </a:lnTo>
+                <a:lnTo>
+                  <a:pt x="1496" y="55"/>
+                </a:lnTo>
+                <a:lnTo>
+                  <a:pt x="1525" y="38"/>
+                </a:lnTo>
+                <a:lnTo>
+                  <a:pt x="1556" y="23"/>
+                </a:lnTo>
+                <a:lnTo>
+                  <a:pt x="1586" y="11"/>
+                </a:lnTo>
+                <a:lnTo>
+                  <a:pt x="1617" y="3"/>
+                </a:lnTo>
+                <a:lnTo>
+                  <a:pt x="1649" y="0"/>
+                </a:lnTo>
+                <a:close/>
+              </a:path>
+            </a:pathLst>
+          </a:custGeom>
+          <a:solidFill>
+            <a:schemeClr val="bg2"/>
+          </a:solidFill>
+          <a:ln w="0">
+            <a:noFill/>
+            <a:prstDash val="solid"/>
+            <a:round/>
+            <a:headEnd/>
+            <a:tailEnd/>
+          </a:ln>
+        </p:spPr>
+        <p:txBody>
+          <a:bodyPr/>
+          <a:lstStyle/>
+          <a:p>
+            <a:endParaRPr lang="tr-TR"/>
+          </a:p>
+        </p:txBody>
+      </p:sp>
+      <p:sp>
+        <p:nvSpPr>
+          <p:cNvPr id="12" name="Rectangle 11">
+            <a:extLst>
+              <a:ext uri="{FF2B5EF4-FFF2-40B4-BE49-F238E27FC236}">
+                <a16:creationId xmlns:a16="http://schemas.microsoft.com/office/drawing/2014/main" id="{6F1BF92E-23CF-4BFE-9E1F-C359BACFA3C5}"/>
+              </a:ext>
+              <a:ext uri="{C183D7F6-B498-43B3-948B-1728B52AA6E4}">
+                <adec:decorative xmlns:adec="http://schemas.microsoft.com/office/drawing/2017/decorative" val="1"/>
+              </a:ext>
+            </a:extLst>
+          </p:cNvPr>
+          <p:cNvSpPr>
+            <a:spLocks noGrp="1" noRot="1" noChangeAspect="1" noMove="1" noResize="1" noEditPoints="1" noAdjustHandles="1" noChangeArrowheads="1" noChangeShapeType="1" noTextEdit="1"/>
+          </p:cNvSpPr>
+          <p:nvPr>
+            <p:extLst>
+              <p:ext uri="{386F3935-93C4-4BCD-93E2-E3B085C9AB24}">
+                <p16:designElem xmlns:p16="http://schemas.microsoft.com/office/powerpoint/2015/main" val="1"/>
+              </p:ext>
+            </p:extLst>
+          </p:nvPr>
+        </p:nvSpPr>
+        <p:spPr>
+          <a:xfrm>
+            <a:off x="0" y="0"/>
+            <a:ext cx="283464" cy="6858000"/>
+          </a:xfrm>
+          <a:prstGeom prst="rect">
+            <a:avLst/>
+          </a:prstGeom>
+          <a:solidFill>
+            <a:schemeClr val="tx2"/>
+          </a:solidFill>
+          <a:ln>
+            <a:noFill/>
+          </a:ln>
+        </p:spPr>
+        <p:style>
+          <a:lnRef idx="2">
+            <a:schemeClr val="accent1">
+              <a:shade val="50000"/>
+            </a:schemeClr>
+          </a:lnRef>
+          <a:fillRef idx="1">
+            <a:schemeClr val="accent1"/>
+          </a:fillRef>
+          <a:effectRef idx="0">
+            <a:schemeClr val="accent1"/>
+          </a:effectRef>
+          <a:fontRef idx="minor">
+            <a:schemeClr val="lt1"/>
+          </a:fontRef>
+        </p:style>
+        <p:txBody>
+          <a:bodyPr/>
+          <a:lstStyle/>
+          <a:p>
+            <a:endParaRPr lang="tr-TR"/>
+          </a:p>
+        </p:txBody>
+      </p:sp>
+      <p:sp useBgFill="1">
+        <p:nvSpPr>
+          <p:cNvPr id="14" name="Rectangle 13">
+            <a:extLst>
+              <a:ext uri="{FF2B5EF4-FFF2-40B4-BE49-F238E27FC236}">
+                <a16:creationId xmlns:a16="http://schemas.microsoft.com/office/drawing/2014/main" id="{DFEF8384-2545-4ACD-9071-49DD1CFC4E99}"/>
+              </a:ext>
+              <a:ext uri="{C183D7F6-B498-43B3-948B-1728B52AA6E4}">
+                <adec:decorative xmlns:adec="http://schemas.microsoft.com/office/drawing/2017/decorative" val="1"/>
+              </a:ext>
+            </a:extLst>
+          </p:cNvPr>
+          <p:cNvSpPr>
+            <a:spLocks noGrp="1" noRot="1" noChangeAspect="1" noMove="1" noResize="1" noEditPoints="1" noAdjustHandles="1" noChangeArrowheads="1" noChangeShapeType="1" noTextEdit="1"/>
+          </p:cNvSpPr>
+          <p:nvPr>
+            <p:extLst>
+              <p:ext uri="{386F3935-93C4-4BCD-93E2-E3B085C9AB24}">
+                <p16:designElem xmlns:p16="http://schemas.microsoft.com/office/powerpoint/2015/main" val="1"/>
+              </p:ext>
+            </p:extLst>
+          </p:nvPr>
+        </p:nvSpPr>
+        <p:spPr bwMode="white">
+          <a:xfrm>
+            <a:off x="0" y="0"/>
+            <a:ext cx="12192000" cy="6858000"/>
+          </a:xfrm>
+          <a:prstGeom prst="rect">
+            <a:avLst/>
+          </a:prstGeom>
+          <a:ln>
+            <a:noFill/>
+          </a:ln>
+        </p:spPr>
+        <p:style>
+          <a:lnRef idx="2">
+            <a:schemeClr val="accent1">
+              <a:shade val="50000"/>
+            </a:schemeClr>
+          </a:lnRef>
+          <a:fillRef idx="1">
+            <a:schemeClr val="accent1"/>
+          </a:fillRef>
+          <a:effectRef idx="0">
+            <a:schemeClr val="accent1"/>
+          </a:effectRef>
+          <a:fontRef idx="minor">
+            <a:schemeClr val="lt1"/>
+          </a:fontRef>
+        </p:style>
+        <p:txBody>
+          <a:bodyPr rot="0" spcFirstLastPara="0" vert="horz" wrap="square" lIns="91440" tIns="45720" rIns="91440" bIns="45720" numCol="1" spcCol="0" rtlCol="0" fromWordArt="0" anchor="ctr" anchorCtr="0" forceAA="0" compatLnSpc="1">
+            <a:prstTxWarp prst="textNoShape">
+              <a:avLst/>
+            </a:prstTxWarp>
+            <a:noAutofit/>
+          </a:bodyPr>
+          <a:lstStyle>
+            <a:defPPr>
+              <a:defRPr lang="en-US"/>
+            </a:defPPr>
+            <a:lvl1pPr marL="0" algn="l" defTabSz="914400" rtl="0" eaLnBrk="1" latinLnBrk="0" hangingPunct="1">
+              <a:defRPr sz="1800" kern="1200">
+                <a:solidFill>
+                  <a:schemeClr val="lt1"/>
+                </a:solidFill>
+                <a:latin typeface="+mn-lt"/>
+                <a:ea typeface="+mn-ea"/>
+                <a:cs typeface="+mn-cs"/>
+              </a:defRPr>
+            </a:lvl1pPr>
+            <a:lvl2pPr marL="457200" algn="l" defTabSz="914400" rtl="0" eaLnBrk="1" latinLnBrk="0" hangingPunct="1">
+              <a:defRPr sz="1800" kern="1200">
+                <a:solidFill>
+                  <a:schemeClr val="lt1"/>
+                </a:solidFill>
+                <a:latin typeface="+mn-lt"/>
+                <a:ea typeface="+mn-ea"/>
+                <a:cs typeface="+mn-cs"/>
+              </a:defRPr>
+            </a:lvl2pPr>
+            <a:lvl3pPr marL="914400" algn="l" defTabSz="914400" rtl="0" eaLnBrk="1" latinLnBrk="0" hangingPunct="1">
+              <a:defRPr sz="1800" kern="1200">
+                <a:solidFill>
+                  <a:schemeClr val="lt1"/>
+                </a:solidFill>
+                <a:latin typeface="+mn-lt"/>
+                <a:ea typeface="+mn-ea"/>
+                <a:cs typeface="+mn-cs"/>
+              </a:defRPr>
+            </a:lvl3pPr>
+            <a:lvl4pPr marL="1371600" algn="l" defTabSz="914400" rtl="0" eaLnBrk="1" latinLnBrk="0" hangingPunct="1">
+              <a:defRPr sz="1800" kern="1200">
+                <a:solidFill>
+                  <a:schemeClr val="lt1"/>
+                </a:solidFill>
+                <a:latin typeface="+mn-lt"/>
+                <a:ea typeface="+mn-ea"/>
+                <a:cs typeface="+mn-cs"/>
+              </a:defRPr>
+            </a:lvl4pPr>
+            <a:lvl5pPr marL="1828800" algn="l" defTabSz="914400" rtl="0" eaLnBrk="1" latinLnBrk="0" hangingPunct="1">
+              <a:defRPr sz="1800" kern="1200">
+                <a:solidFill>
+                  <a:schemeClr val="lt1"/>
+                </a:solidFill>
+                <a:latin typeface="+mn-lt"/>
+                <a:ea typeface="+mn-ea"/>
+                <a:cs typeface="+mn-cs"/>
+              </a:defRPr>
+            </a:lvl5pPr>
+            <a:lvl6pPr marL="2286000" algn="l" defTabSz="914400" rtl="0" eaLnBrk="1" latinLnBrk="0" hangingPunct="1">
+              <a:defRPr sz="1800" kern="1200">
+                <a:solidFill>
+                  <a:schemeClr val="lt1"/>
+                </a:solidFill>
+                <a:latin typeface="+mn-lt"/>
+                <a:ea typeface="+mn-ea"/>
+                <a:cs typeface="+mn-cs"/>
+              </a:defRPr>
+            </a:lvl6pPr>
+            <a:lvl7pPr marL="2743200" algn="l" defTabSz="914400" rtl="0" eaLnBrk="1" latinLnBrk="0" hangingPunct="1">
+              <a:defRPr sz="1800" kern="1200">
+                <a:solidFill>
+                  <a:schemeClr val="lt1"/>
+                </a:solidFill>
+                <a:latin typeface="+mn-lt"/>
+                <a:ea typeface="+mn-ea"/>
+                <a:cs typeface="+mn-cs"/>
+              </a:defRPr>
+            </a:lvl7pPr>
+            <a:lvl8pPr marL="3200400" algn="l" defTabSz="914400" rtl="0" eaLnBrk="1" latinLnBrk="0" hangingPunct="1">
+              <a:defRPr sz="1800" kern="1200">
+                <a:solidFill>
+                  <a:schemeClr val="lt1"/>
+                </a:solidFill>
+                <a:latin typeface="+mn-lt"/>
+                <a:ea typeface="+mn-ea"/>
+                <a:cs typeface="+mn-cs"/>
+              </a:defRPr>
+            </a:lvl8pPr>
+            <a:lvl9pPr marL="3657600" algn="l" defTabSz="914400" rtl="0" eaLnBrk="1" latinLnBrk="0" hangingPunct="1">
+              <a:defRPr sz="1800" kern="1200">
+                <a:solidFill>
+                  <a:schemeClr val="lt1"/>
+                </a:solidFill>
+                <a:latin typeface="+mn-lt"/>
+                <a:ea typeface="+mn-ea"/>
+                <a:cs typeface="+mn-cs"/>
+              </a:defRPr>
+            </a:lvl9pPr>
+          </a:lstStyle>
+          <a:p>
+            <a:pPr algn="ctr"/>
+            <a:endParaRPr lang="en-US"/>
+          </a:p>
+        </p:txBody>
+      </p:sp>
+      <p:sp>
+        <p:nvSpPr>
+          <p:cNvPr id="16" name="Freeform 22">
+            <a:extLst>
+              <a:ext uri="{FF2B5EF4-FFF2-40B4-BE49-F238E27FC236}">
+                <a16:creationId xmlns:a16="http://schemas.microsoft.com/office/drawing/2014/main" id="{F77DB8FA-61A7-4DE7-A777-6D258D172484}"/>
+              </a:ext>
+              <a:ext uri="{C183D7F6-B498-43B3-948B-1728B52AA6E4}">
+                <adec:decorative xmlns:adec="http://schemas.microsoft.com/office/drawing/2017/decorative" val="1"/>
+              </a:ext>
+            </a:extLst>
+          </p:cNvPr>
+          <p:cNvSpPr>
+            <a:spLocks noGrp="1" noRot="1" noChangeAspect="1" noMove="1" noResize="1" noEditPoints="1" noAdjustHandles="1" noChangeArrowheads="1" noChangeShapeType="1" noTextEdit="1"/>
+          </p:cNvSpPr>
+          <p:nvPr>
+            <p:extLst>
+              <p:ext uri="{386F3935-93C4-4BCD-93E2-E3B085C9AB24}">
+                <p16:designElem xmlns:p16="http://schemas.microsoft.com/office/powerpoint/2015/main" val="1"/>
+              </p:ext>
+            </p:extLst>
+          </p:nvPr>
+        </p:nvSpPr>
+        <p:spPr bwMode="ltGray">
+          <a:xfrm>
+            <a:off x="1" y="0"/>
+            <a:ext cx="4695443" cy="6858000"/>
+          </a:xfrm>
+          <a:custGeom>
+            <a:avLst/>
+            <a:gdLst>
+              <a:gd name="connsiteX0" fmla="*/ 0 w 4992864"/>
+              <a:gd name="connsiteY0" fmla="*/ 0 h 6858000"/>
+              <a:gd name="connsiteX1" fmla="*/ 4813476 w 4992864"/>
+              <a:gd name="connsiteY1" fmla="*/ 0 h 6858000"/>
+              <a:gd name="connsiteX2" fmla="*/ 4818239 w 4992864"/>
+              <a:gd name="connsiteY2" fmla="*/ 66675 h 6858000"/>
+              <a:gd name="connsiteX3" fmla="*/ 4826176 w 4992864"/>
+              <a:gd name="connsiteY3" fmla="*/ 122237 h 6858000"/>
+              <a:gd name="connsiteX4" fmla="*/ 4835701 w 4992864"/>
+              <a:gd name="connsiteY4" fmla="*/ 174625 h 6858000"/>
+              <a:gd name="connsiteX5" fmla="*/ 4851576 w 4992864"/>
+              <a:gd name="connsiteY5" fmla="*/ 217487 h 6858000"/>
+              <a:gd name="connsiteX6" fmla="*/ 4867451 w 4992864"/>
+              <a:gd name="connsiteY6" fmla="*/ 260350 h 6858000"/>
+              <a:gd name="connsiteX7" fmla="*/ 4886501 w 4992864"/>
+              <a:gd name="connsiteY7" fmla="*/ 296862 h 6858000"/>
+              <a:gd name="connsiteX8" fmla="*/ 4905551 w 4992864"/>
+              <a:gd name="connsiteY8" fmla="*/ 334962 h 6858000"/>
+              <a:gd name="connsiteX9" fmla="*/ 4923014 w 4992864"/>
+              <a:gd name="connsiteY9" fmla="*/ 369887 h 6858000"/>
+              <a:gd name="connsiteX10" fmla="*/ 4940476 w 4992864"/>
+              <a:gd name="connsiteY10" fmla="*/ 409575 h 6858000"/>
+              <a:gd name="connsiteX11" fmla="*/ 4956351 w 4992864"/>
+              <a:gd name="connsiteY11" fmla="*/ 450850 h 6858000"/>
+              <a:gd name="connsiteX12" fmla="*/ 4970639 w 4992864"/>
+              <a:gd name="connsiteY12" fmla="*/ 496887 h 6858000"/>
+              <a:gd name="connsiteX13" fmla="*/ 4981751 w 4992864"/>
+              <a:gd name="connsiteY13" fmla="*/ 546100 h 6858000"/>
+              <a:gd name="connsiteX14" fmla="*/ 4989689 w 4992864"/>
+              <a:gd name="connsiteY14" fmla="*/ 606425 h 6858000"/>
+              <a:gd name="connsiteX15" fmla="*/ 4992864 w 4992864"/>
+              <a:gd name="connsiteY15" fmla="*/ 673100 h 6858000"/>
+              <a:gd name="connsiteX16" fmla="*/ 4989689 w 4992864"/>
+              <a:gd name="connsiteY16" fmla="*/ 744537 h 6858000"/>
+              <a:gd name="connsiteX17" fmla="*/ 4981751 w 4992864"/>
+              <a:gd name="connsiteY17" fmla="*/ 801687 h 6858000"/>
+              <a:gd name="connsiteX18" fmla="*/ 4970639 w 4992864"/>
+              <a:gd name="connsiteY18" fmla="*/ 854075 h 6858000"/>
+              <a:gd name="connsiteX19" fmla="*/ 4956351 w 4992864"/>
+              <a:gd name="connsiteY19" fmla="*/ 901700 h 6858000"/>
+              <a:gd name="connsiteX20" fmla="*/ 4940476 w 4992864"/>
+              <a:gd name="connsiteY20" fmla="*/ 942975 h 6858000"/>
+              <a:gd name="connsiteX21" fmla="*/ 4921426 w 4992864"/>
+              <a:gd name="connsiteY21" fmla="*/ 981075 h 6858000"/>
+              <a:gd name="connsiteX22" fmla="*/ 4902376 w 4992864"/>
+              <a:gd name="connsiteY22" fmla="*/ 1017587 h 6858000"/>
+              <a:gd name="connsiteX23" fmla="*/ 4883326 w 4992864"/>
+              <a:gd name="connsiteY23" fmla="*/ 1055687 h 6858000"/>
+              <a:gd name="connsiteX24" fmla="*/ 4865864 w 4992864"/>
+              <a:gd name="connsiteY24" fmla="*/ 1095375 h 6858000"/>
+              <a:gd name="connsiteX25" fmla="*/ 4848401 w 4992864"/>
+              <a:gd name="connsiteY25" fmla="*/ 1136650 h 6858000"/>
+              <a:gd name="connsiteX26" fmla="*/ 4834114 w 4992864"/>
+              <a:gd name="connsiteY26" fmla="*/ 1182687 h 6858000"/>
+              <a:gd name="connsiteX27" fmla="*/ 4824589 w 4992864"/>
+              <a:gd name="connsiteY27" fmla="*/ 1235075 h 6858000"/>
+              <a:gd name="connsiteX28" fmla="*/ 4815064 w 4992864"/>
+              <a:gd name="connsiteY28" fmla="*/ 1295400 h 6858000"/>
+              <a:gd name="connsiteX29" fmla="*/ 4813476 w 4992864"/>
+              <a:gd name="connsiteY29" fmla="*/ 1363662 h 6858000"/>
+              <a:gd name="connsiteX30" fmla="*/ 4815064 w 4992864"/>
+              <a:gd name="connsiteY30" fmla="*/ 1431925 h 6858000"/>
+              <a:gd name="connsiteX31" fmla="*/ 4824589 w 4992864"/>
+              <a:gd name="connsiteY31" fmla="*/ 1492250 h 6858000"/>
+              <a:gd name="connsiteX32" fmla="*/ 4834114 w 4992864"/>
+              <a:gd name="connsiteY32" fmla="*/ 1544637 h 6858000"/>
+              <a:gd name="connsiteX33" fmla="*/ 4848401 w 4992864"/>
+              <a:gd name="connsiteY33" fmla="*/ 1589087 h 6858000"/>
+              <a:gd name="connsiteX34" fmla="*/ 4865864 w 4992864"/>
+              <a:gd name="connsiteY34" fmla="*/ 1631950 h 6858000"/>
+              <a:gd name="connsiteX35" fmla="*/ 4883326 w 4992864"/>
+              <a:gd name="connsiteY35" fmla="*/ 1671637 h 6858000"/>
+              <a:gd name="connsiteX36" fmla="*/ 4902376 w 4992864"/>
+              <a:gd name="connsiteY36" fmla="*/ 1708150 h 6858000"/>
+              <a:gd name="connsiteX37" fmla="*/ 4921426 w 4992864"/>
+              <a:gd name="connsiteY37" fmla="*/ 1743075 h 6858000"/>
+              <a:gd name="connsiteX38" fmla="*/ 4940476 w 4992864"/>
+              <a:gd name="connsiteY38" fmla="*/ 1782762 h 6858000"/>
+              <a:gd name="connsiteX39" fmla="*/ 4956351 w 4992864"/>
+              <a:gd name="connsiteY39" fmla="*/ 1824037 h 6858000"/>
+              <a:gd name="connsiteX40" fmla="*/ 4970639 w 4992864"/>
+              <a:gd name="connsiteY40" fmla="*/ 1870075 h 6858000"/>
+              <a:gd name="connsiteX41" fmla="*/ 4981751 w 4992864"/>
+              <a:gd name="connsiteY41" fmla="*/ 1922462 h 6858000"/>
+              <a:gd name="connsiteX42" fmla="*/ 4989689 w 4992864"/>
+              <a:gd name="connsiteY42" fmla="*/ 1982787 h 6858000"/>
+              <a:gd name="connsiteX43" fmla="*/ 4992864 w 4992864"/>
+              <a:gd name="connsiteY43" fmla="*/ 2051050 h 6858000"/>
+              <a:gd name="connsiteX44" fmla="*/ 4989689 w 4992864"/>
+              <a:gd name="connsiteY44" fmla="*/ 2119312 h 6858000"/>
+              <a:gd name="connsiteX45" fmla="*/ 4981751 w 4992864"/>
+              <a:gd name="connsiteY45" fmla="*/ 2179637 h 6858000"/>
+              <a:gd name="connsiteX46" fmla="*/ 4970639 w 4992864"/>
+              <a:gd name="connsiteY46" fmla="*/ 2232025 h 6858000"/>
+              <a:gd name="connsiteX47" fmla="*/ 4956351 w 4992864"/>
+              <a:gd name="connsiteY47" fmla="*/ 2278062 h 6858000"/>
+              <a:gd name="connsiteX48" fmla="*/ 4940476 w 4992864"/>
+              <a:gd name="connsiteY48" fmla="*/ 2319337 h 6858000"/>
+              <a:gd name="connsiteX49" fmla="*/ 4921426 w 4992864"/>
+              <a:gd name="connsiteY49" fmla="*/ 2359025 h 6858000"/>
+              <a:gd name="connsiteX50" fmla="*/ 4902376 w 4992864"/>
+              <a:gd name="connsiteY50" fmla="*/ 2395537 h 6858000"/>
+              <a:gd name="connsiteX51" fmla="*/ 4883326 w 4992864"/>
+              <a:gd name="connsiteY51" fmla="*/ 2433637 h 6858000"/>
+              <a:gd name="connsiteX52" fmla="*/ 4865864 w 4992864"/>
+              <a:gd name="connsiteY52" fmla="*/ 2471737 h 6858000"/>
+              <a:gd name="connsiteX53" fmla="*/ 4848401 w 4992864"/>
+              <a:gd name="connsiteY53" fmla="*/ 2513012 h 6858000"/>
+              <a:gd name="connsiteX54" fmla="*/ 4834114 w 4992864"/>
+              <a:gd name="connsiteY54" fmla="*/ 2560637 h 6858000"/>
+              <a:gd name="connsiteX55" fmla="*/ 4824589 w 4992864"/>
+              <a:gd name="connsiteY55" fmla="*/ 2613025 h 6858000"/>
+              <a:gd name="connsiteX56" fmla="*/ 4815064 w 4992864"/>
+              <a:gd name="connsiteY56" fmla="*/ 2671762 h 6858000"/>
+              <a:gd name="connsiteX57" fmla="*/ 4813476 w 4992864"/>
+              <a:gd name="connsiteY57" fmla="*/ 2741612 h 6858000"/>
+              <a:gd name="connsiteX58" fmla="*/ 4815064 w 4992864"/>
+              <a:gd name="connsiteY58" fmla="*/ 2809875 h 6858000"/>
+              <a:gd name="connsiteX59" fmla="*/ 4824589 w 4992864"/>
+              <a:gd name="connsiteY59" fmla="*/ 2868612 h 6858000"/>
+              <a:gd name="connsiteX60" fmla="*/ 4834114 w 4992864"/>
+              <a:gd name="connsiteY60" fmla="*/ 2922587 h 6858000"/>
+              <a:gd name="connsiteX61" fmla="*/ 4848401 w 4992864"/>
+              <a:gd name="connsiteY61" fmla="*/ 2967037 h 6858000"/>
+              <a:gd name="connsiteX62" fmla="*/ 4865864 w 4992864"/>
+              <a:gd name="connsiteY62" fmla="*/ 3009900 h 6858000"/>
+              <a:gd name="connsiteX63" fmla="*/ 4883326 w 4992864"/>
+              <a:gd name="connsiteY63" fmla="*/ 3046412 h 6858000"/>
+              <a:gd name="connsiteX64" fmla="*/ 4902376 w 4992864"/>
+              <a:gd name="connsiteY64" fmla="*/ 3084512 h 6858000"/>
+              <a:gd name="connsiteX65" fmla="*/ 4921426 w 4992864"/>
+              <a:gd name="connsiteY65" fmla="*/ 3121025 h 6858000"/>
+              <a:gd name="connsiteX66" fmla="*/ 4940476 w 4992864"/>
+              <a:gd name="connsiteY66" fmla="*/ 3160712 h 6858000"/>
+              <a:gd name="connsiteX67" fmla="*/ 4956351 w 4992864"/>
+              <a:gd name="connsiteY67" fmla="*/ 3201987 h 6858000"/>
+              <a:gd name="connsiteX68" fmla="*/ 4970639 w 4992864"/>
+              <a:gd name="connsiteY68" fmla="*/ 3248025 h 6858000"/>
+              <a:gd name="connsiteX69" fmla="*/ 4981751 w 4992864"/>
+              <a:gd name="connsiteY69" fmla="*/ 3300412 h 6858000"/>
+              <a:gd name="connsiteX70" fmla="*/ 4989689 w 4992864"/>
+              <a:gd name="connsiteY70" fmla="*/ 3360737 h 6858000"/>
+              <a:gd name="connsiteX71" fmla="*/ 4992864 w 4992864"/>
+              <a:gd name="connsiteY71" fmla="*/ 3427412 h 6858000"/>
+              <a:gd name="connsiteX72" fmla="*/ 4989689 w 4992864"/>
+              <a:gd name="connsiteY72" fmla="*/ 3497262 h 6858000"/>
+              <a:gd name="connsiteX73" fmla="*/ 4981751 w 4992864"/>
+              <a:gd name="connsiteY73" fmla="*/ 3557587 h 6858000"/>
+              <a:gd name="connsiteX74" fmla="*/ 4970639 w 4992864"/>
+              <a:gd name="connsiteY74" fmla="*/ 3609975 h 6858000"/>
+              <a:gd name="connsiteX75" fmla="*/ 4956351 w 4992864"/>
+              <a:gd name="connsiteY75" fmla="*/ 3656012 h 6858000"/>
+              <a:gd name="connsiteX76" fmla="*/ 4940476 w 4992864"/>
+              <a:gd name="connsiteY76" fmla="*/ 3697287 h 6858000"/>
+              <a:gd name="connsiteX77" fmla="*/ 4921426 w 4992864"/>
+              <a:gd name="connsiteY77" fmla="*/ 3736975 h 6858000"/>
+              <a:gd name="connsiteX78" fmla="*/ 4883326 w 4992864"/>
+              <a:gd name="connsiteY78" fmla="*/ 3811587 h 6858000"/>
+              <a:gd name="connsiteX79" fmla="*/ 4865864 w 4992864"/>
+              <a:gd name="connsiteY79" fmla="*/ 3848100 h 6858000"/>
+              <a:gd name="connsiteX80" fmla="*/ 4848401 w 4992864"/>
+              <a:gd name="connsiteY80" fmla="*/ 3890962 h 6858000"/>
+              <a:gd name="connsiteX81" fmla="*/ 4834114 w 4992864"/>
+              <a:gd name="connsiteY81" fmla="*/ 3935412 h 6858000"/>
+              <a:gd name="connsiteX82" fmla="*/ 4824589 w 4992864"/>
+              <a:gd name="connsiteY82" fmla="*/ 3987800 h 6858000"/>
+              <a:gd name="connsiteX83" fmla="*/ 4815064 w 4992864"/>
+              <a:gd name="connsiteY83" fmla="*/ 4048125 h 6858000"/>
+              <a:gd name="connsiteX84" fmla="*/ 4813476 w 4992864"/>
+              <a:gd name="connsiteY84" fmla="*/ 4116387 h 6858000"/>
+              <a:gd name="connsiteX85" fmla="*/ 4815064 w 4992864"/>
+              <a:gd name="connsiteY85" fmla="*/ 4186237 h 6858000"/>
+              <a:gd name="connsiteX86" fmla="*/ 4824589 w 4992864"/>
+              <a:gd name="connsiteY86" fmla="*/ 4244975 h 6858000"/>
+              <a:gd name="connsiteX87" fmla="*/ 4834114 w 4992864"/>
+              <a:gd name="connsiteY87" fmla="*/ 4297362 h 6858000"/>
+              <a:gd name="connsiteX88" fmla="*/ 4848401 w 4992864"/>
+              <a:gd name="connsiteY88" fmla="*/ 4343400 h 6858000"/>
+              <a:gd name="connsiteX89" fmla="*/ 4865864 w 4992864"/>
+              <a:gd name="connsiteY89" fmla="*/ 4386262 h 6858000"/>
+              <a:gd name="connsiteX90" fmla="*/ 4883326 w 4992864"/>
+              <a:gd name="connsiteY90" fmla="*/ 4424362 h 6858000"/>
+              <a:gd name="connsiteX91" fmla="*/ 4921426 w 4992864"/>
+              <a:gd name="connsiteY91" fmla="*/ 4498975 h 6858000"/>
+              <a:gd name="connsiteX92" fmla="*/ 4940476 w 4992864"/>
+              <a:gd name="connsiteY92" fmla="*/ 4537075 h 6858000"/>
+              <a:gd name="connsiteX93" fmla="*/ 4956351 w 4992864"/>
+              <a:gd name="connsiteY93" fmla="*/ 4579937 h 6858000"/>
+              <a:gd name="connsiteX94" fmla="*/ 4970639 w 4992864"/>
+              <a:gd name="connsiteY94" fmla="*/ 4625975 h 6858000"/>
+              <a:gd name="connsiteX95" fmla="*/ 4981751 w 4992864"/>
+              <a:gd name="connsiteY95" fmla="*/ 4678362 h 6858000"/>
+              <a:gd name="connsiteX96" fmla="*/ 4989689 w 4992864"/>
+              <a:gd name="connsiteY96" fmla="*/ 4738687 h 6858000"/>
+              <a:gd name="connsiteX97" fmla="*/ 4992864 w 4992864"/>
+              <a:gd name="connsiteY97" fmla="*/ 4806950 h 6858000"/>
+              <a:gd name="connsiteX98" fmla="*/ 4989689 w 4992864"/>
+              <a:gd name="connsiteY98" fmla="*/ 4875212 h 6858000"/>
+              <a:gd name="connsiteX99" fmla="*/ 4981751 w 4992864"/>
+              <a:gd name="connsiteY99" fmla="*/ 4935537 h 6858000"/>
+              <a:gd name="connsiteX100" fmla="*/ 4970639 w 4992864"/>
+              <a:gd name="connsiteY100" fmla="*/ 4987925 h 6858000"/>
+              <a:gd name="connsiteX101" fmla="*/ 4956351 w 4992864"/>
+              <a:gd name="connsiteY101" fmla="*/ 5033962 h 6858000"/>
+              <a:gd name="connsiteX102" fmla="*/ 4940476 w 4992864"/>
+              <a:gd name="connsiteY102" fmla="*/ 5075237 h 6858000"/>
+              <a:gd name="connsiteX103" fmla="*/ 4921426 w 4992864"/>
+              <a:gd name="connsiteY103" fmla="*/ 5114925 h 6858000"/>
+              <a:gd name="connsiteX104" fmla="*/ 4902376 w 4992864"/>
+              <a:gd name="connsiteY104" fmla="*/ 5149850 h 6858000"/>
+              <a:gd name="connsiteX105" fmla="*/ 4883326 w 4992864"/>
+              <a:gd name="connsiteY105" fmla="*/ 5186362 h 6858000"/>
+              <a:gd name="connsiteX106" fmla="*/ 4865864 w 4992864"/>
+              <a:gd name="connsiteY106" fmla="*/ 5226050 h 6858000"/>
+              <a:gd name="connsiteX107" fmla="*/ 4848401 w 4992864"/>
+              <a:gd name="connsiteY107" fmla="*/ 5268912 h 6858000"/>
+              <a:gd name="connsiteX108" fmla="*/ 4834114 w 4992864"/>
+              <a:gd name="connsiteY108" fmla="*/ 5313362 h 6858000"/>
+              <a:gd name="connsiteX109" fmla="*/ 4824589 w 4992864"/>
+              <a:gd name="connsiteY109" fmla="*/ 5365750 h 6858000"/>
+              <a:gd name="connsiteX110" fmla="*/ 4815064 w 4992864"/>
+              <a:gd name="connsiteY110" fmla="*/ 5426075 h 6858000"/>
+              <a:gd name="connsiteX111" fmla="*/ 4813476 w 4992864"/>
+              <a:gd name="connsiteY111" fmla="*/ 5494337 h 6858000"/>
+              <a:gd name="connsiteX112" fmla="*/ 4815064 w 4992864"/>
+              <a:gd name="connsiteY112" fmla="*/ 5562600 h 6858000"/>
+              <a:gd name="connsiteX113" fmla="*/ 4824589 w 4992864"/>
+              <a:gd name="connsiteY113" fmla="*/ 5622925 h 6858000"/>
+              <a:gd name="connsiteX114" fmla="*/ 4834114 w 4992864"/>
+              <a:gd name="connsiteY114" fmla="*/ 5675312 h 6858000"/>
+              <a:gd name="connsiteX115" fmla="*/ 4848401 w 4992864"/>
+              <a:gd name="connsiteY115" fmla="*/ 5721350 h 6858000"/>
+              <a:gd name="connsiteX116" fmla="*/ 4865864 w 4992864"/>
+              <a:gd name="connsiteY116" fmla="*/ 5762625 h 6858000"/>
+              <a:gd name="connsiteX117" fmla="*/ 4883326 w 4992864"/>
+              <a:gd name="connsiteY117" fmla="*/ 5802312 h 6858000"/>
+              <a:gd name="connsiteX118" fmla="*/ 4902376 w 4992864"/>
+              <a:gd name="connsiteY118" fmla="*/ 5840412 h 6858000"/>
+              <a:gd name="connsiteX119" fmla="*/ 4921426 w 4992864"/>
+              <a:gd name="connsiteY119" fmla="*/ 5876925 h 6858000"/>
+              <a:gd name="connsiteX120" fmla="*/ 4940476 w 4992864"/>
+              <a:gd name="connsiteY120" fmla="*/ 5915025 h 6858000"/>
+              <a:gd name="connsiteX121" fmla="*/ 4956351 w 4992864"/>
+              <a:gd name="connsiteY121" fmla="*/ 5956300 h 6858000"/>
+              <a:gd name="connsiteX122" fmla="*/ 4970639 w 4992864"/>
+              <a:gd name="connsiteY122" fmla="*/ 6003925 h 6858000"/>
+              <a:gd name="connsiteX123" fmla="*/ 4981751 w 4992864"/>
+              <a:gd name="connsiteY123" fmla="*/ 6056312 h 6858000"/>
+              <a:gd name="connsiteX124" fmla="*/ 4989689 w 4992864"/>
+              <a:gd name="connsiteY124" fmla="*/ 6113462 h 6858000"/>
+              <a:gd name="connsiteX125" fmla="*/ 4992864 w 4992864"/>
+              <a:gd name="connsiteY125" fmla="*/ 6183312 h 6858000"/>
+              <a:gd name="connsiteX126" fmla="*/ 4989689 w 4992864"/>
+              <a:gd name="connsiteY126" fmla="*/ 6251575 h 6858000"/>
+              <a:gd name="connsiteX127" fmla="*/ 4981751 w 4992864"/>
+              <a:gd name="connsiteY127" fmla="*/ 6311900 h 6858000"/>
+              <a:gd name="connsiteX128" fmla="*/ 4970639 w 4992864"/>
+              <a:gd name="connsiteY128" fmla="*/ 6361112 h 6858000"/>
+              <a:gd name="connsiteX129" fmla="*/ 4956351 w 4992864"/>
+              <a:gd name="connsiteY129" fmla="*/ 6407150 h 6858000"/>
+              <a:gd name="connsiteX130" fmla="*/ 4940476 w 4992864"/>
+              <a:gd name="connsiteY130" fmla="*/ 6448425 h 6858000"/>
+              <a:gd name="connsiteX131" fmla="*/ 4923014 w 4992864"/>
+              <a:gd name="connsiteY131" fmla="*/ 6488112 h 6858000"/>
+              <a:gd name="connsiteX132" fmla="*/ 4905551 w 4992864"/>
+              <a:gd name="connsiteY132" fmla="*/ 6523037 h 6858000"/>
+              <a:gd name="connsiteX133" fmla="*/ 4886501 w 4992864"/>
+              <a:gd name="connsiteY133" fmla="*/ 6561137 h 6858000"/>
+              <a:gd name="connsiteX134" fmla="*/ 4867451 w 4992864"/>
+              <a:gd name="connsiteY134" fmla="*/ 6597650 h 6858000"/>
+              <a:gd name="connsiteX135" fmla="*/ 4851576 w 4992864"/>
+              <a:gd name="connsiteY135" fmla="*/ 6640512 h 6858000"/>
+              <a:gd name="connsiteX136" fmla="*/ 4835701 w 4992864"/>
+              <a:gd name="connsiteY136" fmla="*/ 6683375 h 6858000"/>
+              <a:gd name="connsiteX137" fmla="*/ 4826176 w 4992864"/>
+              <a:gd name="connsiteY137" fmla="*/ 6735762 h 6858000"/>
+              <a:gd name="connsiteX138" fmla="*/ 4818239 w 4992864"/>
+              <a:gd name="connsiteY138" fmla="*/ 6791325 h 6858000"/>
+              <a:gd name="connsiteX139" fmla="*/ 4813476 w 4992864"/>
+              <a:gd name="connsiteY139" fmla="*/ 6858000 h 6858000"/>
+              <a:gd name="connsiteX140" fmla="*/ 0 w 4992864"/>
+              <a:gd name="connsiteY140" fmla="*/ 6858000 h 6858000"/>
+            </a:gdLst>
+            <a:ahLst/>
+            <a:cxnLst>
+              <a:cxn ang="0">
+                <a:pos x="connsiteX0" y="connsiteY0"/>
+              </a:cxn>
+              <a:cxn ang="0">
+                <a:pos x="connsiteX1" y="connsiteY1"/>
+              </a:cxn>
+              <a:cxn ang="0">
+                <a:pos x="connsiteX2" y="connsiteY2"/>
+              </a:cxn>
+              <a:cxn ang="0">
+                <a:pos x="connsiteX3" y="connsiteY3"/>
+              </a:cxn>
+              <a:cxn ang="0">
+                <a:pos x="connsiteX4" y="connsiteY4"/>
+              </a:cxn>
+              <a:cxn ang="0">
+                <a:pos x="connsiteX5" y="connsiteY5"/>
+              </a:cxn>
+              <a:cxn ang="0">
+                <a:pos x="connsiteX6" y="connsiteY6"/>
+              </a:cxn>
+              <a:cxn ang="0">
+                <a:pos x="connsiteX7" y="connsiteY7"/>
+              </a:cxn>
+              <a:cxn ang="0">
+                <a:pos x="connsiteX8" y="connsiteY8"/>
+              </a:cxn>
+              <a:cxn ang="0">
+                <a:pos x="connsiteX9" y="connsiteY9"/>
+              </a:cxn>
+              <a:cxn ang="0">
+                <a:pos x="connsiteX10" y="connsiteY10"/>
+              </a:cxn>
+              <a:cxn ang="0">
+                <a:pos x="connsiteX11" y="connsiteY11"/>
+              </a:cxn>
+              <a:cxn ang="0">
+                <a:pos x="connsiteX12" y="connsiteY12"/>
+              </a:cxn>
+              <a:cxn ang="0">
+                <a:pos x="connsiteX13" y="connsiteY13"/>
+              </a:cxn>
+              <a:cxn ang="0">
+                <a:pos x="connsiteX14" y="connsiteY14"/>
+              </a:cxn>
+              <a:cxn ang="0">
+                <a:pos x="connsiteX15" y="connsiteY15"/>
+              </a:cxn>
+              <a:cxn ang="0">
+                <a:pos x="connsiteX16" y="connsiteY16"/>
+              </a:cxn>
+              <a:cxn ang="0">
+                <a:pos x="connsiteX17" y="connsiteY17"/>
+              </a:cxn>
+              <a:cxn ang="0">
+                <a:pos x="connsiteX18" y="connsiteY18"/>
+              </a:cxn>
+              <a:cxn ang="0">
+                <a:pos x="connsiteX19" y="connsiteY19"/>
+              </a:cxn>
+              <a:cxn ang="0">
+                <a:pos x="connsiteX20" y="connsiteY20"/>
+              </a:cxn>
+              <a:cxn ang="0">
+                <a:pos x="connsiteX21" y="connsiteY21"/>
+              </a:cxn>
+              <a:cxn ang="0">
+                <a:pos x="connsiteX22" y="connsiteY22"/>
+              </a:cxn>
+              <a:cxn ang="0">
+                <a:pos x="connsiteX23" y="connsiteY23"/>
+              </a:cxn>
+              <a:cxn ang="0">
+                <a:pos x="connsiteX24" y="connsiteY24"/>
+              </a:cxn>
+              <a:cxn ang="0">
+                <a:pos x="connsiteX25" y="connsiteY25"/>
+              </a:cxn>
+              <a:cxn ang="0">
+                <a:pos x="connsiteX26" y="connsiteY26"/>
+              </a:cxn>
+              <a:cxn ang="0">
+                <a:pos x="connsiteX27" y="connsiteY27"/>
+              </a:cxn>
+              <a:cxn ang="0">
+                <a:pos x="connsiteX28" y="connsiteY28"/>
+              </a:cxn>
+              <a:cxn ang="0">
+                <a:pos x="connsiteX29" y="connsiteY29"/>
+              </a:cxn>
+              <a:cxn ang="0">
+                <a:pos x="connsiteX30" y="connsiteY30"/>
+              </a:cxn>
+              <a:cxn ang="0">
+                <a:pos x="connsiteX31" y="connsiteY31"/>
+              </a:cxn>
+              <a:cxn ang="0">
+                <a:pos x="connsiteX32" y="connsiteY32"/>
+              </a:cxn>
+              <a:cxn ang="0">
+                <a:pos x="connsiteX33" y="connsiteY33"/>
+              </a:cxn>
+              <a:cxn ang="0">
+                <a:pos x="connsiteX34" y="connsiteY34"/>
+              </a:cxn>
+              <a:cxn ang="0">
+                <a:pos x="connsiteX35" y="connsiteY35"/>
+              </a:cxn>
+              <a:cxn ang="0">
+                <a:pos x="connsiteX36" y="connsiteY36"/>
+              </a:cxn>
+              <a:cxn ang="0">
+                <a:pos x="connsiteX37" y="connsiteY37"/>
+              </a:cxn>
+              <a:cxn ang="0">
+                <a:pos x="connsiteX38" y="connsiteY38"/>
+              </a:cxn>
+              <a:cxn ang="0">
+                <a:pos x="connsiteX39" y="connsiteY39"/>
+              </a:cxn>
+              <a:cxn ang="0">
+                <a:pos x="connsiteX40" y="connsiteY40"/>
+              </a:cxn>
+              <a:cxn ang="0">
+                <a:pos x="connsiteX41" y="connsiteY41"/>
+              </a:cxn>
+              <a:cxn ang="0">
+                <a:pos x="connsiteX42" y="connsiteY42"/>
+              </a:cxn>
+              <a:cxn ang="0">
+                <a:pos x="connsiteX43" y="connsiteY43"/>
+              </a:cxn>
+              <a:cxn ang="0">
+                <a:pos x="connsiteX44" y="connsiteY44"/>
+              </a:cxn>
+              <a:cxn ang="0">
+                <a:pos x="connsiteX45" y="connsiteY45"/>
+              </a:cxn>
+              <a:cxn ang="0">
+                <a:pos x="connsiteX46" y="connsiteY46"/>
+              </a:cxn>
+              <a:cxn ang="0">
+                <a:pos x="connsiteX47" y="connsiteY47"/>
+              </a:cxn>
+              <a:cxn ang="0">
+                <a:pos x="connsiteX48" y="connsiteY48"/>
+              </a:cxn>
+              <a:cxn ang="0">
+                <a:pos x="connsiteX49" y="connsiteY49"/>
+              </a:cxn>
+              <a:cxn ang="0">
+                <a:pos x="connsiteX50" y="connsiteY50"/>
+              </a:cxn>
+              <a:cxn ang="0">
+                <a:pos x="connsiteX51" y="connsiteY51"/>
+              </a:cxn>
+              <a:cxn ang="0">
+                <a:pos x="connsiteX52" y="connsiteY52"/>
+              </a:cxn>
+              <a:cxn ang="0">
+                <a:pos x="connsiteX53" y="connsiteY53"/>
+              </a:cxn>
+              <a:cxn ang="0">
+                <a:pos x="connsiteX54" y="connsiteY54"/>
+              </a:cxn>
+              <a:cxn ang="0">
+                <a:pos x="connsiteX55" y="connsiteY55"/>
+              </a:cxn>
+              <a:cxn ang="0">
+                <a:pos x="connsiteX56" y="connsiteY56"/>
+              </a:cxn>
+              <a:cxn ang="0">
+                <a:pos x="connsiteX57" y="connsiteY57"/>
+              </a:cxn>
+              <a:cxn ang="0">
+                <a:pos x="connsiteX58" y="connsiteY58"/>
+              </a:cxn>
+              <a:cxn ang="0">
+                <a:pos x="connsiteX59" y="connsiteY59"/>
+              </a:cxn>
+              <a:cxn ang="0">
+                <a:pos x="connsiteX60" y="connsiteY60"/>
+              </a:cxn>
+              <a:cxn ang="0">
+                <a:pos x="connsiteX61" y="connsiteY61"/>
+              </a:cxn>
+              <a:cxn ang="0">
+                <a:pos x="connsiteX62" y="connsiteY62"/>
+              </a:cxn>
+              <a:cxn ang="0">
+                <a:pos x="connsiteX63" y="connsiteY63"/>
+              </a:cxn>
+              <a:cxn ang="0">
+                <a:pos x="connsiteX64" y="connsiteY64"/>
+              </a:cxn>
+              <a:cxn ang="0">
+                <a:pos x="connsiteX65" y="connsiteY65"/>
+              </a:cxn>
+              <a:cxn ang="0">
+                <a:pos x="connsiteX66" y="connsiteY66"/>
+              </a:cxn>
+              <a:cxn ang="0">
+                <a:pos x="connsiteX67" y="connsiteY67"/>
+              </a:cxn>
+              <a:cxn ang="0">
+                <a:pos x="connsiteX68" y="connsiteY68"/>
+              </a:cxn>
+              <a:cxn ang="0">
+                <a:pos x="connsiteX69" y="connsiteY69"/>
+              </a:cxn>
+              <a:cxn ang="0">
+                <a:pos x="connsiteX70" y="connsiteY70"/>
+              </a:cxn>
+              <a:cxn ang="0">
+                <a:pos x="connsiteX71" y="connsiteY71"/>
+              </a:cxn>
+              <a:cxn ang="0">
+                <a:pos x="connsiteX72" y="connsiteY72"/>
+              </a:cxn>
+              <a:cxn ang="0">
+                <a:pos x="connsiteX73" y="connsiteY73"/>
+              </a:cxn>
+              <a:cxn ang="0">
+                <a:pos x="connsiteX74" y="connsiteY74"/>
+              </a:cxn>
+              <a:cxn ang="0">
+                <a:pos x="connsiteX75" y="connsiteY75"/>
+              </a:cxn>
+              <a:cxn ang="0">
+                <a:pos x="connsiteX76" y="connsiteY76"/>
+              </a:cxn>
+              <a:cxn ang="0">
+                <a:pos x="connsiteX77" y="connsiteY77"/>
+              </a:cxn>
+              <a:cxn ang="0">
+                <a:pos x="connsiteX78" y="connsiteY78"/>
+              </a:cxn>
+              <a:cxn ang="0">
+                <a:pos x="connsiteX79" y="connsiteY79"/>
+              </a:cxn>
+              <a:cxn ang="0">
+                <a:pos x="connsiteX80" y="connsiteY80"/>
+              </a:cxn>
+              <a:cxn ang="0">
+                <a:pos x="connsiteX81" y="connsiteY81"/>
+              </a:cxn>
+              <a:cxn ang="0">
+                <a:pos x="connsiteX82" y="connsiteY82"/>
+              </a:cxn>
+              <a:cxn ang="0">
+                <a:pos x="connsiteX83" y="connsiteY83"/>
+              </a:cxn>
+              <a:cxn ang="0">
+                <a:pos x="connsiteX84" y="connsiteY84"/>
+              </a:cxn>
+              <a:cxn ang="0">
+                <a:pos x="connsiteX85" y="connsiteY85"/>
+              </a:cxn>
+              <a:cxn ang="0">
+                <a:pos x="connsiteX86" y="connsiteY86"/>
+              </a:cxn>
+              <a:cxn ang="0">
+                <a:pos x="connsiteX87" y="connsiteY87"/>
+              </a:cxn>
+              <a:cxn ang="0">
+                <a:pos x="connsiteX88" y="connsiteY88"/>
+              </a:cxn>
+              <a:cxn ang="0">
+                <a:pos x="connsiteX89" y="connsiteY89"/>
+              </a:cxn>
+              <a:cxn ang="0">
+                <a:pos x="connsiteX90" y="connsiteY90"/>
+              </a:cxn>
+              <a:cxn ang="0">
+                <a:pos x="connsiteX91" y="connsiteY91"/>
+              </a:cxn>
+              <a:cxn ang="0">
+                <a:pos x="connsiteX92" y="connsiteY92"/>
+              </a:cxn>
+              <a:cxn ang="0">
+                <a:pos x="connsiteX93" y="connsiteY93"/>
+              </a:cxn>
+              <a:cxn ang="0">
+                <a:pos x="connsiteX94" y="connsiteY94"/>
+              </a:cxn>
+              <a:cxn ang="0">
+                <a:pos x="connsiteX95" y="connsiteY95"/>
+              </a:cxn>
+              <a:cxn ang="0">
+                <a:pos x="connsiteX96" y="connsiteY96"/>
+              </a:cxn>
+              <a:cxn ang="0">
+                <a:pos x="connsiteX97" y="connsiteY97"/>
+              </a:cxn>
+              <a:cxn ang="0">
+                <a:pos x="connsiteX98" y="connsiteY98"/>
+              </a:cxn>
+              <a:cxn ang="0">
+                <a:pos x="connsiteX99" y="connsiteY99"/>
+              </a:cxn>
+              <a:cxn ang="0">
+                <a:pos x="connsiteX100" y="connsiteY100"/>
+              </a:cxn>
+              <a:cxn ang="0">
+                <a:pos x="connsiteX101" y="connsiteY101"/>
+              </a:cxn>
+              <a:cxn ang="0">
+                <a:pos x="connsiteX102" y="connsiteY102"/>
+              </a:cxn>
+              <a:cxn ang="0">
+                <a:pos x="connsiteX103" y="connsiteY103"/>
+              </a:cxn>
+              <a:cxn ang="0">
+                <a:pos x="connsiteX104" y="connsiteY104"/>
+              </a:cxn>
+              <a:cxn ang="0">
+                <a:pos x="connsiteX105" y="connsiteY105"/>
+              </a:cxn>
+              <a:cxn ang="0">
+                <a:pos x="connsiteX106" y="connsiteY106"/>
+              </a:cxn>
+              <a:cxn ang="0">
+                <a:pos x="connsiteX107" y="connsiteY107"/>
+              </a:cxn>
+              <a:cxn ang="0">
+                <a:pos x="connsiteX108" y="connsiteY108"/>
+              </a:cxn>
+              <a:cxn ang="0">
+                <a:pos x="connsiteX109" y="connsiteY109"/>
+              </a:cxn>
+              <a:cxn ang="0">
+                <a:pos x="connsiteX110" y="connsiteY110"/>
+              </a:cxn>
+              <a:cxn ang="0">
+                <a:pos x="connsiteX111" y="connsiteY111"/>
+              </a:cxn>
+              <a:cxn ang="0">
+                <a:pos x="connsiteX112" y="connsiteY112"/>
+              </a:cxn>
+              <a:cxn ang="0">
+                <a:pos x="connsiteX113" y="connsiteY113"/>
+              </a:cxn>
+              <a:cxn ang="0">
+                <a:pos x="connsiteX114" y="connsiteY114"/>
+              </a:cxn>
+              <a:cxn ang="0">
+                <a:pos x="connsiteX115" y="connsiteY115"/>
+              </a:cxn>
+              <a:cxn ang="0">
+                <a:pos x="connsiteX116" y="connsiteY116"/>
+              </a:cxn>
+              <a:cxn ang="0">
+                <a:pos x="connsiteX117" y="connsiteY117"/>
+              </a:cxn>
+              <a:cxn ang="0">
+                <a:pos x="connsiteX118" y="connsiteY118"/>
+              </a:cxn>
+              <a:cxn ang="0">
+                <a:pos x="connsiteX119" y="connsiteY119"/>
+              </a:cxn>
+              <a:cxn ang="0">
+                <a:pos x="connsiteX120" y="connsiteY120"/>
+              </a:cxn>
+              <a:cxn ang="0">
+                <a:pos x="connsiteX121" y="connsiteY121"/>
+              </a:cxn>
+              <a:cxn ang="0">
+                <a:pos x="connsiteX122" y="connsiteY122"/>
+              </a:cxn>
+              <a:cxn ang="0">
+                <a:pos x="connsiteX123" y="connsiteY123"/>
+              </a:cxn>
+              <a:cxn ang="0">
+                <a:pos x="connsiteX124" y="connsiteY124"/>
+              </a:cxn>
+              <a:cxn ang="0">
+                <a:pos x="connsiteX125" y="connsiteY125"/>
+              </a:cxn>
+              <a:cxn ang="0">
+                <a:pos x="connsiteX126" y="connsiteY126"/>
+              </a:cxn>
+              <a:cxn ang="0">
+                <a:pos x="connsiteX127" y="connsiteY127"/>
+              </a:cxn>
+              <a:cxn ang="0">
+                <a:pos x="connsiteX128" y="connsiteY128"/>
+              </a:cxn>
+              <a:cxn ang="0">
+                <a:pos x="connsiteX129" y="connsiteY129"/>
+              </a:cxn>
+              <a:cxn ang="0">
+                <a:pos x="connsiteX130" y="connsiteY130"/>
+              </a:cxn>
+              <a:cxn ang="0">
+                <a:pos x="connsiteX131" y="connsiteY131"/>
+              </a:cxn>
+              <a:cxn ang="0">
+                <a:pos x="connsiteX132" y="connsiteY132"/>
+              </a:cxn>
+              <a:cxn ang="0">
+                <a:pos x="connsiteX133" y="connsiteY133"/>
+              </a:cxn>
+              <a:cxn ang="0">
+                <a:pos x="connsiteX134" y="connsiteY134"/>
+              </a:cxn>
+              <a:cxn ang="0">
+                <a:pos x="connsiteX135" y="connsiteY135"/>
+              </a:cxn>
+              <a:cxn ang="0">
+                <a:pos x="connsiteX136" y="connsiteY136"/>
+              </a:cxn>
+              <a:cxn ang="0">
+                <a:pos x="connsiteX137" y="connsiteY137"/>
+              </a:cxn>
+              <a:cxn ang="0">
+                <a:pos x="connsiteX138" y="connsiteY138"/>
+              </a:cxn>
+              <a:cxn ang="0">
+                <a:pos x="connsiteX139" y="connsiteY139"/>
+              </a:cxn>
+              <a:cxn ang="0">
+                <a:pos x="connsiteX140" y="connsiteY140"/>
+              </a:cxn>
+            </a:cxnLst>
+            <a:rect l="l" t="t" r="r" b="b"/>
+            <a:pathLst>
+              <a:path w="4992864" h="6858000">
+                <a:moveTo>
+                  <a:pt x="0" y="0"/>
+                </a:moveTo>
+                <a:lnTo>
+                  <a:pt x="4813476" y="0"/>
+                </a:lnTo>
+                <a:lnTo>
+                  <a:pt x="4818239" y="66675"/>
+                </a:lnTo>
+                <a:lnTo>
+                  <a:pt x="4826176" y="122237"/>
+                </a:lnTo>
+                <a:lnTo>
+                  <a:pt x="4835701" y="174625"/>
+                </a:lnTo>
+                <a:lnTo>
+                  <a:pt x="4851576" y="217487"/>
+                </a:lnTo>
+                <a:lnTo>
+                  <a:pt x="4867451" y="260350"/>
+                </a:lnTo>
+                <a:lnTo>
+                  <a:pt x="4886501" y="296862"/>
+                </a:lnTo>
+                <a:lnTo>
+                  <a:pt x="4905551" y="334962"/>
+                </a:lnTo>
+                <a:lnTo>
+                  <a:pt x="4923014" y="369887"/>
+                </a:lnTo>
+                <a:lnTo>
+                  <a:pt x="4940476" y="409575"/>
+                </a:lnTo>
+                <a:lnTo>
+                  <a:pt x="4956351" y="450850"/>
+                </a:lnTo>
+                <a:lnTo>
+                  <a:pt x="4970639" y="496887"/>
+                </a:lnTo>
+                <a:lnTo>
+                  <a:pt x="4981751" y="546100"/>
+                </a:lnTo>
+                <a:lnTo>
+                  <a:pt x="4989689" y="606425"/>
+                </a:lnTo>
+                <a:lnTo>
+                  <a:pt x="4992864" y="673100"/>
+                </a:lnTo>
+                <a:lnTo>
+                  <a:pt x="4989689" y="744537"/>
+                </a:lnTo>
+                <a:lnTo>
+                  <a:pt x="4981751" y="801687"/>
+                </a:lnTo>
+                <a:lnTo>
+                  <a:pt x="4970639" y="854075"/>
+                </a:lnTo>
+                <a:lnTo>
+                  <a:pt x="4956351" y="901700"/>
+                </a:lnTo>
+                <a:lnTo>
+                  <a:pt x="4940476" y="942975"/>
+                </a:lnTo>
+                <a:lnTo>
+                  <a:pt x="4921426" y="981075"/>
+                </a:lnTo>
+                <a:lnTo>
+                  <a:pt x="4902376" y="1017587"/>
+                </a:lnTo>
+                <a:lnTo>
+                  <a:pt x="4883326" y="1055687"/>
+                </a:lnTo>
+                <a:lnTo>
+                  <a:pt x="4865864" y="1095375"/>
+                </a:lnTo>
+                <a:lnTo>
+                  <a:pt x="4848401" y="1136650"/>
+                </a:lnTo>
+                <a:lnTo>
+                  <a:pt x="4834114" y="1182687"/>
+                </a:lnTo>
+                <a:lnTo>
+                  <a:pt x="4824589" y="1235075"/>
+                </a:lnTo>
+                <a:lnTo>
+                  <a:pt x="4815064" y="1295400"/>
+                </a:lnTo>
+                <a:lnTo>
+                  <a:pt x="4813476" y="1363662"/>
+                </a:lnTo>
+                <a:lnTo>
+                  <a:pt x="4815064" y="1431925"/>
+                </a:lnTo>
+                <a:lnTo>
+                  <a:pt x="4824589" y="1492250"/>
+                </a:lnTo>
+                <a:lnTo>
+                  <a:pt x="4834114" y="1544637"/>
+                </a:lnTo>
+                <a:lnTo>
+                  <a:pt x="4848401" y="1589087"/>
+                </a:lnTo>
+                <a:lnTo>
+                  <a:pt x="4865864" y="1631950"/>
+                </a:lnTo>
+                <a:lnTo>
+                  <a:pt x="4883326" y="1671637"/>
+                </a:lnTo>
+                <a:lnTo>
+                  <a:pt x="4902376" y="1708150"/>
+                </a:lnTo>
+                <a:lnTo>
+                  <a:pt x="4921426" y="1743075"/>
+                </a:lnTo>
+                <a:lnTo>
+                  <a:pt x="4940476" y="1782762"/>
+                </a:lnTo>
+                <a:lnTo>
+                  <a:pt x="4956351" y="1824037"/>
+                </a:lnTo>
+                <a:lnTo>
+                  <a:pt x="4970639" y="1870075"/>
+                </a:lnTo>
+                <a:lnTo>
+                  <a:pt x="4981751" y="1922462"/>
+                </a:lnTo>
+                <a:lnTo>
+                  <a:pt x="4989689" y="1982787"/>
+                </a:lnTo>
+                <a:lnTo>
+                  <a:pt x="4992864" y="2051050"/>
+                </a:lnTo>
+                <a:lnTo>
+                  <a:pt x="4989689" y="2119312"/>
+                </a:lnTo>
+                <a:lnTo>
+                  <a:pt x="4981751" y="2179637"/>
+                </a:lnTo>
+                <a:lnTo>
+                  <a:pt x="4970639" y="2232025"/>
+                </a:lnTo>
+                <a:lnTo>
+                  <a:pt x="4956351" y="2278062"/>
+                </a:lnTo>
+                <a:lnTo>
+                  <a:pt x="4940476" y="2319337"/>
+                </a:lnTo>
+                <a:lnTo>
+                  <a:pt x="4921426" y="2359025"/>
+                </a:lnTo>
+                <a:lnTo>
+                  <a:pt x="4902376" y="2395537"/>
+                </a:lnTo>
+                <a:lnTo>
+                  <a:pt x="4883326" y="2433637"/>
+                </a:lnTo>
+                <a:lnTo>
+                  <a:pt x="4865864" y="2471737"/>
+                </a:lnTo>
+                <a:lnTo>
+                  <a:pt x="4848401" y="2513012"/>
+                </a:lnTo>
+                <a:lnTo>
+                  <a:pt x="4834114" y="2560637"/>
+                </a:lnTo>
+                <a:lnTo>
+                  <a:pt x="4824589" y="2613025"/>
+                </a:lnTo>
+                <a:lnTo>
+                  <a:pt x="4815064" y="2671762"/>
+                </a:lnTo>
+                <a:lnTo>
+                  <a:pt x="4813476" y="2741612"/>
+                </a:lnTo>
+                <a:lnTo>
+                  <a:pt x="4815064" y="2809875"/>
+                </a:lnTo>
+                <a:lnTo>
+                  <a:pt x="4824589" y="2868612"/>
+                </a:lnTo>
+                <a:lnTo>
+                  <a:pt x="4834114" y="2922587"/>
+                </a:lnTo>
+                <a:lnTo>
+                  <a:pt x="4848401" y="2967037"/>
+                </a:lnTo>
+                <a:lnTo>
+                  <a:pt x="4865864" y="3009900"/>
+                </a:lnTo>
+                <a:lnTo>
+                  <a:pt x="4883326" y="3046412"/>
+                </a:lnTo>
+                <a:lnTo>
+                  <a:pt x="4902376" y="3084512"/>
+                </a:lnTo>
+                <a:lnTo>
+                  <a:pt x="4921426" y="3121025"/>
+                </a:lnTo>
+                <a:lnTo>
+                  <a:pt x="4940476" y="3160712"/>
+                </a:lnTo>
+                <a:lnTo>
+                  <a:pt x="4956351" y="3201987"/>
+                </a:lnTo>
+                <a:lnTo>
+                  <a:pt x="4970639" y="3248025"/>
+                </a:lnTo>
+                <a:lnTo>
+                  <a:pt x="4981751" y="3300412"/>
+                </a:lnTo>
+                <a:lnTo>
+                  <a:pt x="4989689" y="3360737"/>
+                </a:lnTo>
+                <a:lnTo>
+                  <a:pt x="4992864" y="3427412"/>
+                </a:lnTo>
+                <a:lnTo>
+                  <a:pt x="4989689" y="3497262"/>
+                </a:lnTo>
+                <a:lnTo>
+                  <a:pt x="4981751" y="3557587"/>
+                </a:lnTo>
+                <a:lnTo>
+                  <a:pt x="4970639" y="3609975"/>
+                </a:lnTo>
+                <a:lnTo>
+                  <a:pt x="4956351" y="3656012"/>
+                </a:lnTo>
+                <a:lnTo>
+                  <a:pt x="4940476" y="3697287"/>
+                </a:lnTo>
+                <a:lnTo>
+                  <a:pt x="4921426" y="3736975"/>
+                </a:lnTo>
+                <a:lnTo>
+                  <a:pt x="4883326" y="3811587"/>
+                </a:lnTo>
+                <a:lnTo>
+                  <a:pt x="4865864" y="3848100"/>
+                </a:lnTo>
+                <a:lnTo>
+                  <a:pt x="4848401" y="3890962"/>
+                </a:lnTo>
+                <a:lnTo>
+                  <a:pt x="4834114" y="3935412"/>
+                </a:lnTo>
+                <a:lnTo>
+                  <a:pt x="4824589" y="3987800"/>
+                </a:lnTo>
+                <a:lnTo>
+                  <a:pt x="4815064" y="4048125"/>
+                </a:lnTo>
+                <a:lnTo>
+                  <a:pt x="4813476" y="4116387"/>
+                </a:lnTo>
+                <a:lnTo>
+                  <a:pt x="4815064" y="4186237"/>
+                </a:lnTo>
+                <a:lnTo>
+                  <a:pt x="4824589" y="4244975"/>
+                </a:lnTo>
+                <a:lnTo>
+                  <a:pt x="4834114" y="4297362"/>
+                </a:lnTo>
+                <a:lnTo>
+                  <a:pt x="4848401" y="4343400"/>
+                </a:lnTo>
+                <a:lnTo>
+                  <a:pt x="4865864" y="4386262"/>
+                </a:lnTo>
+                <a:lnTo>
+                  <a:pt x="4883326" y="4424362"/>
+                </a:lnTo>
+                <a:lnTo>
+                  <a:pt x="4921426" y="4498975"/>
+                </a:lnTo>
+                <a:lnTo>
+                  <a:pt x="4940476" y="4537075"/>
+                </a:lnTo>
+                <a:lnTo>
+                  <a:pt x="4956351" y="4579937"/>
+                </a:lnTo>
+                <a:lnTo>
+                  <a:pt x="4970639" y="4625975"/>
+                </a:lnTo>
+                <a:lnTo>
+                  <a:pt x="4981751" y="4678362"/>
+                </a:lnTo>
+                <a:lnTo>
+                  <a:pt x="4989689" y="4738687"/>
+                </a:lnTo>
+                <a:lnTo>
+                  <a:pt x="4992864" y="4806950"/>
+                </a:lnTo>
+                <a:lnTo>
+                  <a:pt x="4989689" y="4875212"/>
+                </a:lnTo>
+                <a:lnTo>
+                  <a:pt x="4981751" y="4935537"/>
+                </a:lnTo>
+                <a:lnTo>
+                  <a:pt x="4970639" y="4987925"/>
+                </a:lnTo>
+                <a:lnTo>
+                  <a:pt x="4956351" y="5033962"/>
+                </a:lnTo>
+                <a:lnTo>
+                  <a:pt x="4940476" y="5075237"/>
+                </a:lnTo>
+                <a:lnTo>
+                  <a:pt x="4921426" y="5114925"/>
+                </a:lnTo>
+                <a:lnTo>
+                  <a:pt x="4902376" y="5149850"/>
+                </a:lnTo>
+                <a:lnTo>
+                  <a:pt x="4883326" y="5186362"/>
+                </a:lnTo>
+                <a:lnTo>
+                  <a:pt x="4865864" y="5226050"/>
+                </a:lnTo>
+                <a:lnTo>
+                  <a:pt x="4848401" y="5268912"/>
+                </a:lnTo>
+                <a:lnTo>
+                  <a:pt x="4834114" y="5313362"/>
+                </a:lnTo>
+                <a:lnTo>
+                  <a:pt x="4824589" y="5365750"/>
+                </a:lnTo>
+                <a:lnTo>
+                  <a:pt x="4815064" y="5426075"/>
+                </a:lnTo>
+                <a:lnTo>
+                  <a:pt x="4813476" y="5494337"/>
+                </a:lnTo>
+                <a:lnTo>
+                  <a:pt x="4815064" y="5562600"/>
+                </a:lnTo>
+                <a:lnTo>
+                  <a:pt x="4824589" y="5622925"/>
+                </a:lnTo>
+                <a:lnTo>
+                  <a:pt x="4834114" y="5675312"/>
+                </a:lnTo>
+                <a:lnTo>
+                  <a:pt x="4848401" y="5721350"/>
+                </a:lnTo>
+                <a:lnTo>
+                  <a:pt x="4865864" y="5762625"/>
+                </a:lnTo>
+                <a:lnTo>
+                  <a:pt x="4883326" y="5802312"/>
+                </a:lnTo>
+                <a:lnTo>
+                  <a:pt x="4902376" y="5840412"/>
+                </a:lnTo>
+                <a:lnTo>
+                  <a:pt x="4921426" y="5876925"/>
+                </a:lnTo>
+                <a:lnTo>
+                  <a:pt x="4940476" y="5915025"/>
+                </a:lnTo>
+                <a:lnTo>
+                  <a:pt x="4956351" y="5956300"/>
+                </a:lnTo>
+                <a:lnTo>
+                  <a:pt x="4970639" y="6003925"/>
+                </a:lnTo>
+                <a:lnTo>
+                  <a:pt x="4981751" y="6056312"/>
+                </a:lnTo>
+                <a:lnTo>
+                  <a:pt x="4989689" y="6113462"/>
+                </a:lnTo>
+                <a:lnTo>
+                  <a:pt x="4992864" y="6183312"/>
+                </a:lnTo>
+                <a:lnTo>
+                  <a:pt x="4989689" y="6251575"/>
+                </a:lnTo>
+                <a:lnTo>
+                  <a:pt x="4981751" y="6311900"/>
+                </a:lnTo>
+                <a:lnTo>
+                  <a:pt x="4970639" y="6361112"/>
+                </a:lnTo>
+                <a:lnTo>
+                  <a:pt x="4956351" y="6407150"/>
+                </a:lnTo>
+                <a:lnTo>
+                  <a:pt x="4940476" y="6448425"/>
+                </a:lnTo>
+                <a:lnTo>
+                  <a:pt x="4923014" y="6488112"/>
+                </a:lnTo>
+                <a:lnTo>
+                  <a:pt x="4905551" y="6523037"/>
+                </a:lnTo>
+                <a:lnTo>
+                  <a:pt x="4886501" y="6561137"/>
+                </a:lnTo>
+                <a:lnTo>
+                  <a:pt x="4867451" y="6597650"/>
+                </a:lnTo>
+                <a:lnTo>
+                  <a:pt x="4851576" y="6640512"/>
+                </a:lnTo>
+                <a:lnTo>
+                  <a:pt x="4835701" y="6683375"/>
+                </a:lnTo>
+                <a:lnTo>
+                  <a:pt x="4826176" y="6735762"/>
+                </a:lnTo>
+                <a:lnTo>
+                  <a:pt x="4818239" y="6791325"/>
+                </a:lnTo>
+                <a:lnTo>
+                  <a:pt x="4813476" y="6858000"/>
+                </a:lnTo>
+                <a:lnTo>
+                  <a:pt x="0" y="6858000"/>
+                </a:lnTo>
+                <a:close/>
+              </a:path>
+            </a:pathLst>
+          </a:custGeom>
+          <a:solidFill>
+            <a:schemeClr val="accent1"/>
+          </a:solidFill>
+          <a:ln w="0">
+            <a:noFill/>
+            <a:prstDash val="solid"/>
+            <a:round/>
+            <a:headEnd/>
+            <a:tailEnd/>
+          </a:ln>
+        </p:spPr>
+        <p:txBody>
+          <a:bodyPr/>
+          <a:lstStyle/>
+          <a:p>
+            <a:endParaRPr lang="tr-TR"/>
+          </a:p>
+        </p:txBody>
+      </p:sp>
+      <p:sp>
+        <p:nvSpPr>
+          <p:cNvPr id="2" name="Başlık 1">
+            <a:extLst>
+              <a:ext uri="{FF2B5EF4-FFF2-40B4-BE49-F238E27FC236}">
+                <a16:creationId xmlns:a16="http://schemas.microsoft.com/office/drawing/2014/main" id="{9C18B7F0-DB50-745B-6898-7A6BFA5B2724}"/>
+              </a:ext>
+            </a:extLst>
+          </p:cNvPr>
+          <p:cNvSpPr>
+            <a:spLocks noGrp="1"/>
+          </p:cNvSpPr>
+          <p:nvPr>
+            <p:ph type="title"/>
+          </p:nvPr>
+        </p:nvSpPr>
+        <p:spPr>
+          <a:xfrm>
+            <a:off x="644854" y="643464"/>
+            <a:ext cx="3437290" cy="4374850"/>
+          </a:xfrm>
+        </p:spPr>
+        <p:txBody>
+          <a:bodyPr vert="horz" lIns="91440" tIns="45720" rIns="91440" bIns="45720" rtlCol="0" anchor="ctr">
+            <a:normAutofit/>
+          </a:bodyPr>
+          <a:lstStyle/>
+          <a:p>
+            <a:pPr algn="ctr"/>
+            <a:r>
+              <a:rPr lang="tr-TR" sz="5600" spc="800" dirty="0">
+                <a:solidFill>
+                  <a:srgbClr val="2A1A00"/>
+                </a:solidFill>
+              </a:rPr>
+              <a:t>iletişim</a:t>
+            </a:r>
+            <a:endParaRPr lang="en-US" sz="5600" spc="800" dirty="0">
+              <a:solidFill>
+                <a:srgbClr val="2A1A00"/>
+              </a:solidFill>
+            </a:endParaRPr>
+          </a:p>
+        </p:txBody>
+      </p:sp>
+      <p:pic>
+        <p:nvPicPr>
+          <p:cNvPr id="5" name="Resim 4">
+            <a:extLst>
+              <a:ext uri="{FF2B5EF4-FFF2-40B4-BE49-F238E27FC236}">
+                <a16:creationId xmlns:a16="http://schemas.microsoft.com/office/drawing/2014/main" id="{8AF9C7FE-4611-CC03-8906-CBFAD8C7E5FF}"/>
+              </a:ext>
+            </a:extLst>
+          </p:cNvPr>
+          <p:cNvPicPr>
+            <a:picLocks noChangeAspect="1"/>
+          </p:cNvPicPr>
+          <p:nvPr/>
+        </p:nvPicPr>
+        <p:blipFill>
+          <a:blip r:embed="rId2"/>
+          <a:stretch>
+            <a:fillRect/>
+          </a:stretch>
+        </p:blipFill>
+        <p:spPr>
+          <a:xfrm>
+            <a:off x="4695444" y="997839"/>
+            <a:ext cx="7058734" cy="5470517"/>
+          </a:xfrm>
+          <a:prstGeom prst="rect">
+            <a:avLst/>
+          </a:prstGeom>
+        </p:spPr>
+      </p:pic>
+    </p:spTree>
+    <p:extLst>
+      <p:ext uri="{BB962C8B-B14F-4D97-AF65-F5344CB8AC3E}">
+        <p14:creationId xmlns:p14="http://schemas.microsoft.com/office/powerpoint/2010/main" val="526270666"/>
+      </p:ext>
+    </p:extLst>
+  </p:cSld>
+  <p:clrMapOvr>
+    <a:masterClrMapping/>
+  </p:clrMapOvr>
+</p:sld>
+</file>
+
+<file path=ppt/slides/slide6.xml><?xml version="1.0" encoding="utf-8"?>
+<p:sld xmlns:a="http://schemas.openxmlformats.org/drawingml/2006/main" xmlns:r="http://schemas.openxmlformats.org/officeDocument/2006/relationships" xmlns:p="http://schemas.openxmlformats.org/presentationml/2006/main">
+  <p:cSld>
+    <p:spTree>
+      <p:nvGrpSpPr>
+        <p:cNvPr id="1" name=""/>
+        <p:cNvGrpSpPr/>
+        <p:nvPr/>
+      </p:nvGrpSpPr>
+      <p:grpSpPr>
+        <a:xfrm>
+          <a:off x="0" y="0"/>
+          <a:ext cx="0" cy="0"/>
+          <a:chOff x="0" y="0"/>
+          <a:chExt cx="0" cy="0"/>
+        </a:xfrm>
+      </p:grpSpPr>
+      <p:sp>
+        <p:nvSpPr>
+          <p:cNvPr id="2" name="Başlık 1">
+            <a:extLst>
+              <a:ext uri="{FF2B5EF4-FFF2-40B4-BE49-F238E27FC236}">
+                <a16:creationId xmlns:a16="http://schemas.microsoft.com/office/drawing/2014/main" id="{C28B0AD6-734E-4B12-CB28-59752B034056}"/>
+              </a:ext>
+            </a:extLst>
+          </p:cNvPr>
+          <p:cNvSpPr>
+            <a:spLocks noGrp="1"/>
+          </p:cNvSpPr>
+          <p:nvPr>
+            <p:ph type="title"/>
+          </p:nvPr>
+        </p:nvSpPr>
+        <p:spPr/>
+        <p:txBody>
+          <a:bodyPr/>
+          <a:lstStyle/>
+          <a:p>
+            <a:r>
+              <a:rPr lang="tr-TR" dirty="0"/>
+              <a:t>Python ile görüntü işleme programı detayları</a:t>
+            </a:r>
+          </a:p>
+        </p:txBody>
+      </p:sp>
+      <p:sp>
+        <p:nvSpPr>
+          <p:cNvPr id="3" name="İçerik Yer Tutucusu 2">
+            <a:extLst>
+              <a:ext uri="{FF2B5EF4-FFF2-40B4-BE49-F238E27FC236}">
+                <a16:creationId xmlns:a16="http://schemas.microsoft.com/office/drawing/2014/main" id="{4FACA3A9-C8B2-B64B-1410-35B15FC741FA}"/>
+              </a:ext>
+            </a:extLst>
+          </p:cNvPr>
+          <p:cNvSpPr>
+            <a:spLocks noGrp="1"/>
+          </p:cNvSpPr>
+          <p:nvPr>
+            <p:ph idx="1"/>
+          </p:nvPr>
+        </p:nvSpPr>
+        <p:spPr/>
+        <p:txBody>
+          <a:bodyPr/>
+          <a:lstStyle/>
+          <a:p>
+            <a:r>
+              <a:rPr lang="tr-TR" dirty="0"/>
+              <a:t>3 farklı </a:t>
+            </a:r>
+            <a:r>
+              <a:rPr lang="tr-TR" dirty="0" err="1"/>
+              <a:t>thread’den</a:t>
+            </a:r>
+            <a:r>
+              <a:rPr lang="tr-TR" dirty="0"/>
+              <a:t> oluşur.</a:t>
+            </a:r>
+          </a:p>
+          <a:p>
+            <a:endParaRPr lang="tr-TR" dirty="0"/>
+          </a:p>
+          <a:p>
+            <a:r>
+              <a:rPr lang="tr-TR" dirty="0"/>
+              <a:t>Main </a:t>
+            </a:r>
+            <a:r>
+              <a:rPr lang="tr-TR" dirty="0" err="1"/>
+              <a:t>thread</a:t>
+            </a:r>
+            <a:r>
+              <a:rPr lang="tr-TR" dirty="0"/>
+              <a:t>: Kişi sayısını tespit eder.</a:t>
+            </a:r>
+          </a:p>
+          <a:p>
+            <a:r>
+              <a:rPr lang="tr-TR" dirty="0"/>
+              <a:t>Thread1:  Ekranda gözüken görüntüyü </a:t>
+            </a:r>
+            <a:r>
+              <a:rPr lang="tr-TR" dirty="0" err="1"/>
+              <a:t>firebase’e</a:t>
+            </a:r>
+            <a:r>
+              <a:rPr lang="tr-TR" dirty="0"/>
+              <a:t> yükler. İndirme bağlantısını </a:t>
+            </a:r>
+            <a:r>
+              <a:rPr lang="tr-TR" dirty="0" err="1"/>
+              <a:t>Thingspeak’e</a:t>
+            </a:r>
+            <a:r>
+              <a:rPr lang="tr-TR" dirty="0"/>
+              <a:t> gönderir.</a:t>
+            </a:r>
+          </a:p>
+          <a:p>
+            <a:r>
+              <a:rPr lang="tr-TR" dirty="0"/>
+              <a:t>Thread2:  Tespit edilen kişi sayısını com port yardımıyla esp8266’ya gönderir.</a:t>
+            </a:r>
+          </a:p>
+        </p:txBody>
+      </p:sp>
+    </p:spTree>
+    <p:extLst>
+      <p:ext uri="{BB962C8B-B14F-4D97-AF65-F5344CB8AC3E}">
+        <p14:creationId xmlns:p14="http://schemas.microsoft.com/office/powerpoint/2010/main" val="2843491443"/>
+      </p:ext>
+    </p:extLst>
+  </p:cSld>
+  <p:clrMapOvr>
+    <a:masterClrMapping/>
+  </p:clrMapOvr>
+</p:sld>
+</file>
+
+<file path=ppt/slides/slide7.xml><?xml version="1.0" encoding="utf-8"?>
+<p:sld xmlns:a="http://schemas.openxmlformats.org/drawingml/2006/main" xmlns:r="http://schemas.openxmlformats.org/officeDocument/2006/relationships" xmlns:p="http://schemas.openxmlformats.org/presentationml/2006/main">
+  <p:cSld>
+    <p:spTree>
+      <p:nvGrpSpPr>
+        <p:cNvPr id="1" name=""/>
+        <p:cNvGrpSpPr/>
+        <p:nvPr/>
+      </p:nvGrpSpPr>
+      <p:grpSpPr>
+        <a:xfrm>
+          <a:off x="0" y="0"/>
+          <a:ext cx="0" cy="0"/>
+          <a:chOff x="0" y="0"/>
+          <a:chExt cx="0" cy="0"/>
+        </a:xfrm>
+      </p:grpSpPr>
+      <p:sp>
+        <p:nvSpPr>
+          <p:cNvPr id="2" name="Başlık 1">
+            <a:extLst>
+              <a:ext uri="{FF2B5EF4-FFF2-40B4-BE49-F238E27FC236}">
+                <a16:creationId xmlns:a16="http://schemas.microsoft.com/office/drawing/2014/main" id="{4914EA6A-8D53-0E97-11A3-25A870F80FF8}"/>
+              </a:ext>
+            </a:extLst>
+          </p:cNvPr>
+          <p:cNvSpPr>
+            <a:spLocks noGrp="1"/>
+          </p:cNvSpPr>
+          <p:nvPr>
+            <p:ph type="title"/>
+          </p:nvPr>
+        </p:nvSpPr>
+        <p:spPr/>
+        <p:txBody>
+          <a:bodyPr/>
+          <a:lstStyle/>
+          <a:p>
+            <a:pPr algn="ctr"/>
+            <a:r>
+              <a:rPr lang="tr-TR" dirty="0" err="1"/>
+              <a:t>Arduıno</a:t>
+            </a:r>
+            <a:r>
+              <a:rPr lang="tr-TR" dirty="0"/>
+              <a:t> </a:t>
+            </a:r>
+            <a:r>
+              <a:rPr lang="tr-TR" dirty="0" err="1"/>
+              <a:t>uno</a:t>
+            </a:r>
+            <a:endParaRPr lang="tr-TR" dirty="0"/>
+          </a:p>
+        </p:txBody>
+      </p:sp>
+      <p:sp>
+        <p:nvSpPr>
+          <p:cNvPr id="3" name="İçerik Yer Tutucusu 2">
+            <a:extLst>
+              <a:ext uri="{FF2B5EF4-FFF2-40B4-BE49-F238E27FC236}">
+                <a16:creationId xmlns:a16="http://schemas.microsoft.com/office/drawing/2014/main" id="{90568D6D-8858-E94B-AA88-2E4AF0965D95}"/>
+              </a:ext>
+            </a:extLst>
+          </p:cNvPr>
+          <p:cNvSpPr>
+            <a:spLocks noGrp="1"/>
+          </p:cNvSpPr>
+          <p:nvPr>
+            <p:ph idx="1"/>
+          </p:nvPr>
+        </p:nvSpPr>
+        <p:spPr/>
+        <p:txBody>
+          <a:bodyPr/>
+          <a:lstStyle/>
+          <a:p>
+            <a:r>
+              <a:rPr lang="tr-TR" dirty="0"/>
+              <a:t>Programdan gelen kişi adedini com port üzerinden alarak led yakar. </a:t>
+            </a:r>
+          </a:p>
+          <a:p>
+            <a:r>
+              <a:rPr lang="tr-TR" dirty="0"/>
+              <a:t>Kişi sayısının tek ve çift olma durumuna göre </a:t>
+            </a:r>
+            <a:r>
+              <a:rPr lang="tr-TR" dirty="0" err="1"/>
+              <a:t>timer</a:t>
+            </a:r>
+            <a:r>
+              <a:rPr lang="tr-TR" dirty="0"/>
+              <a:t> kullanılarak; tekse led yakması, çift ise ledi söndürmesi sağlanır.</a:t>
+            </a:r>
+          </a:p>
+        </p:txBody>
+      </p:sp>
+    </p:spTree>
+    <p:extLst>
+      <p:ext uri="{BB962C8B-B14F-4D97-AF65-F5344CB8AC3E}">
+        <p14:creationId xmlns:p14="http://schemas.microsoft.com/office/powerpoint/2010/main" val="2991670705"/>
+      </p:ext>
+    </p:extLst>
+  </p:cSld>
+  <p:clrMapOvr>
+    <a:masterClrMapping/>
+  </p:clrMapOvr>
+</p:sld>
+</file>
+
+<file path=ppt/slides/slide8.xml><?xml version="1.0" encoding="utf-8"?>
+<p:sld xmlns:a="http://schemas.openxmlformats.org/drawingml/2006/main" xmlns:r="http://schemas.openxmlformats.org/officeDocument/2006/relationships" xmlns:p="http://schemas.openxmlformats.org/presentationml/2006/main">
+  <p:cSld>
+    <p:spTree>
+      <p:nvGrpSpPr>
+        <p:cNvPr id="1" name=""/>
+        <p:cNvGrpSpPr/>
+        <p:nvPr/>
+      </p:nvGrpSpPr>
+      <p:grpSpPr>
+        <a:xfrm>
+          <a:off x="0" y="0"/>
+          <a:ext cx="0" cy="0"/>
+          <a:chOff x="0" y="0"/>
+          <a:chExt cx="0" cy="0"/>
+        </a:xfrm>
+      </p:grpSpPr>
+      <p:sp>
+        <p:nvSpPr>
+          <p:cNvPr id="2" name="Başlık 1">
+            <a:extLst>
+              <a:ext uri="{FF2B5EF4-FFF2-40B4-BE49-F238E27FC236}">
+                <a16:creationId xmlns:a16="http://schemas.microsoft.com/office/drawing/2014/main" id="{0BCF739B-B169-094A-01A5-9D6FF243D9BD}"/>
+              </a:ext>
+            </a:extLst>
+          </p:cNvPr>
+          <p:cNvSpPr>
+            <a:spLocks noGrp="1"/>
+          </p:cNvSpPr>
+          <p:nvPr>
+            <p:ph type="title"/>
+          </p:nvPr>
+        </p:nvSpPr>
+        <p:spPr>
+          <a:xfrm>
+            <a:off x="1251678" y="409546"/>
+            <a:ext cx="10178322" cy="1492132"/>
+          </a:xfrm>
+        </p:spPr>
+        <p:txBody>
+          <a:bodyPr/>
+          <a:lstStyle/>
+          <a:p>
+            <a:pPr algn="ctr"/>
+            <a:r>
+              <a:rPr lang="tr-TR" dirty="0"/>
+              <a:t>Esp8266 (</a:t>
+            </a:r>
+            <a:r>
+              <a:rPr lang="tr-TR" dirty="0" err="1"/>
+              <a:t>nodemcu</a:t>
+            </a:r>
+            <a:r>
+              <a:rPr lang="tr-TR" dirty="0"/>
+              <a:t>)</a:t>
+            </a:r>
+          </a:p>
+        </p:txBody>
+      </p:sp>
+      <p:sp>
+        <p:nvSpPr>
+          <p:cNvPr id="3" name="İçerik Yer Tutucusu 2">
+            <a:extLst>
+              <a:ext uri="{FF2B5EF4-FFF2-40B4-BE49-F238E27FC236}">
+                <a16:creationId xmlns:a16="http://schemas.microsoft.com/office/drawing/2014/main" id="{699F8504-24F6-EDE1-CA67-8222980A07BD}"/>
+              </a:ext>
+            </a:extLst>
+          </p:cNvPr>
+          <p:cNvSpPr>
+            <a:spLocks noGrp="1"/>
+          </p:cNvSpPr>
+          <p:nvPr>
+            <p:ph idx="1"/>
+          </p:nvPr>
+        </p:nvSpPr>
+        <p:spPr/>
+        <p:txBody>
+          <a:bodyPr/>
+          <a:lstStyle/>
+          <a:p>
+            <a:r>
+              <a:rPr lang="tr-TR" dirty="0"/>
+              <a:t>Wifi işlemleri</a:t>
+            </a:r>
+          </a:p>
+          <a:p>
+            <a:r>
+              <a:rPr lang="tr-TR" dirty="0"/>
+              <a:t>Port üzerinden kişi sayısı gelir ve bu bilgiyi Arduino </a:t>
+            </a:r>
+            <a:r>
+              <a:rPr lang="tr-TR" dirty="0" err="1"/>
+              <a:t>unoya</a:t>
+            </a:r>
+            <a:r>
+              <a:rPr lang="tr-TR" dirty="0"/>
+              <a:t> iletir.</a:t>
+            </a:r>
+          </a:p>
+          <a:p>
+            <a:r>
+              <a:rPr lang="tr-TR" dirty="0"/>
+              <a:t>Telegram işlemleri</a:t>
+            </a:r>
+          </a:p>
+          <a:p>
+            <a:r>
+              <a:rPr lang="tr-TR" dirty="0" err="1"/>
+              <a:t>Firebase</a:t>
+            </a:r>
+            <a:r>
+              <a:rPr lang="tr-TR" dirty="0"/>
+              <a:t> işlemleri</a:t>
+            </a:r>
+          </a:p>
+          <a:p>
+            <a:r>
+              <a:rPr lang="tr-TR" dirty="0" err="1"/>
+              <a:t>Thingspeak</a:t>
+            </a:r>
+            <a:r>
+              <a:rPr lang="tr-TR" dirty="0"/>
+              <a:t> işlemleri</a:t>
+            </a:r>
+          </a:p>
+        </p:txBody>
+      </p:sp>
+    </p:spTree>
+    <p:extLst>
+      <p:ext uri="{BB962C8B-B14F-4D97-AF65-F5344CB8AC3E}">
+        <p14:creationId xmlns:p14="http://schemas.microsoft.com/office/powerpoint/2010/main" val="3599135318"/>
+      </p:ext>
+    </p:extLst>
+  </p:cSld>
+  <p:clrMapOvr>
+    <a:masterClrMapping/>
+  </p:clrMapOvr>
+</p:sld>
+</file>
+
+<file path=ppt/slides/slide9.xml><?xml version="1.0" encoding="utf-8"?>
+<p:sld xmlns:a="http://schemas.openxmlformats.org/drawingml/2006/main" xmlns:r="http://schemas.openxmlformats.org/officeDocument/2006/relationships" xmlns:p="http://schemas.openxmlformats.org/presentationml/2006/main">
+  <p:cSld>
+    <p:spTree>
+      <p:nvGrpSpPr>
+        <p:cNvPr id="1" name=""/>
+        <p:cNvGrpSpPr/>
+        <p:nvPr/>
+      </p:nvGrpSpPr>
+      <p:grpSpPr>
+        <a:xfrm>
+          <a:off x="0" y="0"/>
+          <a:ext cx="0" cy="0"/>
+          <a:chOff x="0" y="0"/>
+          <a:chExt cx="0" cy="0"/>
+        </a:xfrm>
+      </p:grpSpPr>
+      <p:pic>
+        <p:nvPicPr>
+          <p:cNvPr id="4" name="Resim 3" descr="metin, ekran görüntüsü, yazılım, multimedya yazılımı içeren bir resim&#10;&#10;Açıklama otomatik olarak oluşturuldu">
+            <a:extLst>
+              <a:ext uri="{FF2B5EF4-FFF2-40B4-BE49-F238E27FC236}">
+                <a16:creationId xmlns:a16="http://schemas.microsoft.com/office/drawing/2014/main" id="{D405AB5E-65E3-2101-179B-4DB8523AE644}"/>
+              </a:ext>
+            </a:extLst>
+          </p:cNvPr>
+          <p:cNvPicPr>
+            <a:picLocks noChangeAspect="1"/>
+          </p:cNvPicPr>
+          <p:nvPr/>
+        </p:nvPicPr>
+        <p:blipFill>
+          <a:blip r:embed="rId2">
+            <a:extLst>
+              <a:ext uri="{28A0092B-C50C-407E-A947-70E740481C1C}">
+                <a14:useLocalDpi xmlns:a14="http://schemas.microsoft.com/office/drawing/2010/main" val="0"/>
+              </a:ext>
+            </a:extLst>
+          </a:blip>
+          <a:stretch>
+            <a:fillRect/>
+          </a:stretch>
+        </p:blipFill>
+        <p:spPr>
+          <a:xfrm>
+            <a:off x="1927117" y="0"/>
+            <a:ext cx="8337765" cy="6858000"/>
+          </a:xfrm>
+          <a:prstGeom prst="rect">
+            <a:avLst/>
+          </a:prstGeom>
+        </p:spPr>
+      </p:pic>
+    </p:spTree>
+    <p:extLst>
+      <p:ext uri="{BB962C8B-B14F-4D97-AF65-F5344CB8AC3E}">
+        <p14:creationId xmlns:p14="http://schemas.microsoft.com/office/powerpoint/2010/main" val="4164983813"/>
       </p:ext>
     </p:extLst>
   </p:cSld>
